--- a/companion-website/public/files/6. Eyewitness Memory.pptx
+++ b/companion-website/public/files/6. Eyewitness Memory.pptx
@@ -5,12 +5,17 @@
     <p:sldMasterId id="2147483648" r:id="rId1"/>
   </p:sldMasterIdLst>
   <p:notesMasterIdLst>
-    <p:notesMasterId r:id="rId5"/>
+    <p:notesMasterId r:id="rId10"/>
   </p:notesMasterIdLst>
   <p:sldIdLst>
     <p:sldId id="275" r:id="rId2"/>
-    <p:sldId id="435" r:id="rId3"/>
-    <p:sldId id="436" r:id="rId4"/>
+    <p:sldId id="277" r:id="rId3"/>
+    <p:sldId id="437" r:id="rId4"/>
+    <p:sldId id="445" r:id="rId5"/>
+    <p:sldId id="453" r:id="rId6"/>
+    <p:sldId id="454" r:id="rId7"/>
+    <p:sldId id="435" r:id="rId8"/>
+    <p:sldId id="436" r:id="rId9"/>
   </p:sldIdLst>
   <p:sldSz cx="9144000" cy="6858000" type="screen4x3"/>
   <p:notesSz cx="6858000" cy="9144000"/>
@@ -844,6 +849,24 @@
             <c:bubble3D val="0"/>
             <c:spPr>
               <a:solidFill>
+                <a:srgbClr val="009EC0"/>
+              </a:solidFill>
+              <a:ln w="25400">
+                <a:noFill/>
+              </a:ln>
+            </c:spPr>
+            <c:extLst>
+              <c:ext xmlns:c16="http://schemas.microsoft.com/office/drawing/2014/chart" uri="{C3380CC4-5D6E-409C-BE32-E72D297353CC}">
+                <c16:uniqueId val="{00000009-B6DB-E146-AE33-5B276F3B6D41}"/>
+              </c:ext>
+            </c:extLst>
+          </c:dPt>
+          <c:dPt>
+            <c:idx val="7"/>
+            <c:invertIfNegative val="0"/>
+            <c:bubble3D val="0"/>
+            <c:spPr>
+              <a:solidFill>
                 <a:srgbClr val="CA5C0E"/>
               </a:solidFill>
               <a:ln w="25400">
@@ -852,7 +875,7 @@
             </c:spPr>
             <c:extLst>
               <c:ext xmlns:c16="http://schemas.microsoft.com/office/drawing/2014/chart" uri="{C3380CC4-5D6E-409C-BE32-E72D297353CC}">
-                <c16:uniqueId val="{00000009-B6DB-E146-AE33-5B276F3B6D41}"/>
+                <c16:uniqueId val="{0000000A-B6DB-E146-AE33-5B276F3B6D41}"/>
               </c:ext>
             </c:extLst>
           </c:dPt>
@@ -1480,7 +1503,7 @@
           <a:p>
             <a:fld id="{8F7EB338-8BB0-B64B-9F79-C87EA24D723F}" type="datetimeFigureOut">
               <a:rPr lang="en-US" smtClean="0"/>
-              <a:t>7/2/20</a:t>
+              <a:t>10/21/20</a:t>
             </a:fld>
             <a:endParaRPr lang="en-US"/>
           </a:p>
@@ -1791,28 +1814,7 @@
           <a:bodyPr/>
           <a:lstStyle/>
           <a:p>
-            <a:r>
-              <a:rPr lang="en-US" dirty="0"/>
-              <a:t>This looks at the percent of people who would still be alive at +25y</a:t>
-            </a:r>
-            <a:br>
-              <a:rPr lang="en-US" dirty="0"/>
-            </a:br>
-            <a:br>
-              <a:rPr lang="en-US" dirty="0"/>
-            </a:br>
-            <a:r>
-              <a:rPr lang="en-US" dirty="0"/>
-              <a:t>e.g. 30% of 10 year </a:t>
-            </a:r>
-            <a:r>
-              <a:rPr lang="en-US" dirty="0" err="1"/>
-              <a:t>olds</a:t>
-            </a:r>
-            <a:r>
-              <a:rPr lang="en-US" dirty="0"/>
-              <a:t> people would still be alive 25 years later</a:t>
-            </a:r>
+            <a:endParaRPr lang="en-US" dirty="0"/>
           </a:p>
         </p:txBody>
       </p:sp>
@@ -1842,7 +1844,7 @@
     </p:spTree>
     <p:extLst>
       <p:ext uri="{BB962C8B-B14F-4D97-AF65-F5344CB8AC3E}">
-        <p14:creationId xmlns:p14="http://schemas.microsoft.com/office/powerpoint/2010/main" val="4057519737"/>
+        <p14:creationId xmlns:p14="http://schemas.microsoft.com/office/powerpoint/2010/main" val="2033367481"/>
       </p:ext>
     </p:extLst>
   </p:cSld>
@@ -1898,7 +1900,7 @@
           <a:p>
             <a:r>
               <a:rPr lang="en-US" dirty="0"/>
-              <a:t>This looks at the number of the 500 people who would still be alive at +25y </a:t>
+              <a:t>This looks at the percent of people who would still be alive at +25y</a:t>
             </a:r>
             <a:br>
               <a:rPr lang="en-US" dirty="0"/>
@@ -1908,7 +1910,15 @@
             </a:br>
             <a:r>
               <a:rPr lang="en-US" dirty="0"/>
-              <a:t>e.g. 190 of the 500 would be alive at the time of the writing of 1 Corinthians assuming that the witnesses were greater than15 year when they were witnesses</a:t>
+              <a:t>e.g. 30% of 10 year </a:t>
+            </a:r>
+            <a:r>
+              <a:rPr lang="en-US" dirty="0" err="1"/>
+              <a:t>olds</a:t>
+            </a:r>
+            <a:r>
+              <a:rPr lang="en-US" dirty="0"/>
+              <a:t> people would still be alive 25 years later</a:t>
             </a:r>
           </a:p>
         </p:txBody>
@@ -1930,7 +1940,104 @@
           <a:p>
             <a:fld id="{E31E1A05-B3B6-6F43-8051-B5A825C5C2A3}" type="slidenum">
               <a:rPr lang="en-US" smtClean="0"/>
-              <a:t>3</a:t>
+              <a:t>7</a:t>
+            </a:fld>
+            <a:endParaRPr lang="en-US"/>
+          </a:p>
+        </p:txBody>
+      </p:sp>
+    </p:spTree>
+    <p:extLst>
+      <p:ext uri="{BB962C8B-B14F-4D97-AF65-F5344CB8AC3E}">
+        <p14:creationId xmlns:p14="http://schemas.microsoft.com/office/powerpoint/2010/main" val="4057519737"/>
+      </p:ext>
+    </p:extLst>
+  </p:cSld>
+  <p:clrMapOvr>
+    <a:masterClrMapping/>
+  </p:clrMapOvr>
+</p:notes>
+</file>
+
+<file path=ppt/notesSlides/notesSlide3.xml><?xml version="1.0" encoding="utf-8"?>
+<p:notes xmlns:a="http://schemas.openxmlformats.org/drawingml/2006/main" xmlns:r="http://schemas.openxmlformats.org/officeDocument/2006/relationships" xmlns:p="http://schemas.openxmlformats.org/presentationml/2006/main">
+  <p:cSld>
+    <p:spTree>
+      <p:nvGrpSpPr>
+        <p:cNvPr id="1" name=""/>
+        <p:cNvGrpSpPr/>
+        <p:nvPr/>
+      </p:nvGrpSpPr>
+      <p:grpSpPr>
+        <a:xfrm>
+          <a:off x="0" y="0"/>
+          <a:ext cx="0" cy="0"/>
+          <a:chOff x="0" y="0"/>
+          <a:chExt cx="0" cy="0"/>
+        </a:xfrm>
+      </p:grpSpPr>
+      <p:sp>
+        <p:nvSpPr>
+          <p:cNvPr id="2" name="Slide Image Placeholder 1"/>
+          <p:cNvSpPr>
+            <a:spLocks noGrp="1" noRot="1" noChangeAspect="1"/>
+          </p:cNvSpPr>
+          <p:nvPr>
+            <p:ph type="sldImg"/>
+          </p:nvPr>
+        </p:nvSpPr>
+        <p:spPr/>
+      </p:sp>
+      <p:sp>
+        <p:nvSpPr>
+          <p:cNvPr id="3" name="Notes Placeholder 2"/>
+          <p:cNvSpPr>
+            <a:spLocks noGrp="1"/>
+          </p:cNvSpPr>
+          <p:nvPr>
+            <p:ph type="body" idx="1"/>
+          </p:nvPr>
+        </p:nvSpPr>
+        <p:spPr/>
+        <p:txBody>
+          <a:bodyPr/>
+          <a:lstStyle/>
+          <a:p>
+            <a:r>
+              <a:rPr lang="en-US" dirty="0"/>
+              <a:t>This looks at the number of the 500 people who would still be alive at +25y </a:t>
+            </a:r>
+            <a:br>
+              <a:rPr lang="en-US" dirty="0"/>
+            </a:br>
+            <a:br>
+              <a:rPr lang="en-US" dirty="0"/>
+            </a:br>
+            <a:r>
+              <a:rPr lang="en-US" dirty="0"/>
+              <a:t>e.g. 190 of the 500 would be alive at the time of the writing of 1 Corinthians assuming that the witnesses were greater than15 year when they were witnesses</a:t>
+            </a:r>
+          </a:p>
+        </p:txBody>
+      </p:sp>
+      <p:sp>
+        <p:nvSpPr>
+          <p:cNvPr id="4" name="Slide Number Placeholder 3"/>
+          <p:cNvSpPr>
+            <a:spLocks noGrp="1"/>
+          </p:cNvSpPr>
+          <p:nvPr>
+            <p:ph type="sldNum" sz="quarter" idx="5"/>
+          </p:nvPr>
+        </p:nvSpPr>
+        <p:spPr/>
+        <p:txBody>
+          <a:bodyPr/>
+          <a:lstStyle/>
+          <a:p>
+            <a:fld id="{E31E1A05-B3B6-6F43-8051-B5A825C5C2A3}" type="slidenum">
+              <a:rPr lang="en-US" smtClean="0"/>
+              <a:t>8</a:t>
             </a:fld>
             <a:endParaRPr lang="en-US"/>
           </a:p>
@@ -2133,7 +2240,7 @@
             <a:fld id="{DBE77699-C466-4996-ADED-71C8160E04A2}" type="datetimeFigureOut">
               <a:rPr lang="en-US" smtClean="0"/>
               <a:pPr/>
-              <a:t>7/2/20</a:t>
+              <a:t>10/21/20</a:t>
             </a:fld>
             <a:endParaRPr lang="en-US"/>
           </a:p>
@@ -2298,7 +2405,7 @@
             <a:fld id="{DBE77699-C466-4996-ADED-71C8160E04A2}" type="datetimeFigureOut">
               <a:rPr lang="en-US" smtClean="0"/>
               <a:pPr/>
-              <a:t>7/2/20</a:t>
+              <a:t>10/21/20</a:t>
             </a:fld>
             <a:endParaRPr lang="en-US"/>
           </a:p>
@@ -2473,7 +2580,7 @@
             <a:fld id="{DBE77699-C466-4996-ADED-71C8160E04A2}" type="datetimeFigureOut">
               <a:rPr lang="en-US" smtClean="0"/>
               <a:pPr/>
-              <a:t>7/2/20</a:t>
+              <a:t>10/21/20</a:t>
             </a:fld>
             <a:endParaRPr lang="en-US"/>
           </a:p>
@@ -2527,6 +2634,368 @@
   <p:clrMapOvr>
     <a:masterClrMapping/>
   </p:clrMapOvr>
+</p:sldLayout>
+</file>
+
+<file path=ppt/slideLayouts/slideLayout12.xml><?xml version="1.0" encoding="utf-8"?>
+<p:sldLayout xmlns:a="http://schemas.openxmlformats.org/drawingml/2006/main" xmlns:r="http://schemas.openxmlformats.org/officeDocument/2006/relationships" xmlns:p="http://schemas.openxmlformats.org/presentationml/2006/main" userDrawn="1">
+  <p:cSld name="Custom Layout">
+    <p:spTree>
+      <p:nvGrpSpPr>
+        <p:cNvPr id="1" name=""/>
+        <p:cNvGrpSpPr/>
+        <p:nvPr/>
+      </p:nvGrpSpPr>
+      <p:grpSpPr>
+        <a:xfrm>
+          <a:off x="0" y="0"/>
+          <a:ext cx="0" cy="0"/>
+          <a:chOff x="0" y="0"/>
+          <a:chExt cx="0" cy="0"/>
+        </a:xfrm>
+      </p:grpSpPr>
+      <p:sp>
+        <p:nvSpPr>
+          <p:cNvPr id="2" name="Title 1"/>
+          <p:cNvSpPr>
+            <a:spLocks noGrp="1"/>
+          </p:cNvSpPr>
+          <p:nvPr>
+            <p:ph type="title"/>
+          </p:nvPr>
+        </p:nvSpPr>
+        <p:spPr>
+          <a:xfrm>
+            <a:off x="1905000" y="2514600"/>
+            <a:ext cx="7772400" cy="1143000"/>
+          </a:xfrm>
+        </p:spPr>
+        <p:txBody>
+          <a:bodyPr/>
+          <a:lstStyle/>
+          <a:p>
+            <a:r>
+              <a:rPr lang="en-US" dirty="0"/>
+              <a:t>Click to edit Master title style</a:t>
+            </a:r>
+          </a:p>
+        </p:txBody>
+      </p:sp>
+      <p:sp>
+        <p:nvSpPr>
+          <p:cNvPr id="3" name="Date Placeholder 2"/>
+          <p:cNvSpPr>
+            <a:spLocks noGrp="1"/>
+          </p:cNvSpPr>
+          <p:nvPr>
+            <p:ph type="dt" sz="half" idx="10"/>
+          </p:nvPr>
+        </p:nvSpPr>
+        <p:spPr/>
+        <p:txBody>
+          <a:bodyPr/>
+          <a:lstStyle/>
+          <a:p>
+            <a:fld id="{DBE77699-C466-4996-ADED-71C8160E04A2}" type="datetimeFigureOut">
+              <a:rPr lang="en-US" smtClean="0"/>
+              <a:pPr/>
+              <a:t>10/21/20</a:t>
+            </a:fld>
+            <a:endParaRPr lang="en-US"/>
+          </a:p>
+        </p:txBody>
+      </p:sp>
+      <p:sp>
+        <p:nvSpPr>
+          <p:cNvPr id="4" name="Footer Placeholder 3"/>
+          <p:cNvSpPr>
+            <a:spLocks noGrp="1"/>
+          </p:cNvSpPr>
+          <p:nvPr>
+            <p:ph type="ftr" sz="quarter" idx="11"/>
+          </p:nvPr>
+        </p:nvSpPr>
+        <p:spPr/>
+        <p:txBody>
+          <a:bodyPr/>
+          <a:lstStyle/>
+          <a:p>
+            <a:endParaRPr lang="en-US"/>
+          </a:p>
+        </p:txBody>
+      </p:sp>
+      <p:sp>
+        <p:nvSpPr>
+          <p:cNvPr id="5" name="Slide Number Placeholder 4"/>
+          <p:cNvSpPr>
+            <a:spLocks noGrp="1"/>
+          </p:cNvSpPr>
+          <p:nvPr>
+            <p:ph type="sldNum" sz="quarter" idx="12"/>
+          </p:nvPr>
+        </p:nvSpPr>
+        <p:spPr/>
+        <p:txBody>
+          <a:bodyPr/>
+          <a:lstStyle/>
+          <a:p>
+            <a:fld id="{ECD645EE-450D-4102-8FB2-AECCE2D0F3DF}" type="slidenum">
+              <a:rPr lang="en-US" smtClean="0"/>
+              <a:pPr/>
+              <a:t>‹#›</a:t>
+            </a:fld>
+            <a:endParaRPr lang="en-US"/>
+          </a:p>
+        </p:txBody>
+      </p:sp>
+      <p:sp>
+        <p:nvSpPr>
+          <p:cNvPr id="8" name="Text Placeholder 7"/>
+          <p:cNvSpPr>
+            <a:spLocks noGrp="1"/>
+          </p:cNvSpPr>
+          <p:nvPr>
+            <p:ph type="body" sz="quarter" idx="13" hasCustomPrompt="1"/>
+          </p:nvPr>
+        </p:nvSpPr>
+        <p:spPr>
+          <a:xfrm>
+            <a:off x="0" y="1600200"/>
+            <a:ext cx="1295400" cy="2895600"/>
+          </a:xfrm>
+        </p:spPr>
+        <p:txBody>
+          <a:bodyPr lIns="0" rIns="0" anchor="ctr">
+            <a:normAutofit/>
+          </a:bodyPr>
+          <a:lstStyle>
+            <a:lvl1pPr marL="0" indent="0" algn="r">
+              <a:buNone/>
+              <a:defRPr sz="9600" b="1"/>
+            </a:lvl1pPr>
+          </a:lstStyle>
+          <a:p>
+            <a:pPr lvl="0"/>
+            <a:r>
+              <a:rPr lang="en-US" dirty="0"/>
+              <a:t>1</a:t>
+            </a:r>
+          </a:p>
+        </p:txBody>
+      </p:sp>
+    </p:spTree>
+    <p:extLst>
+      <p:ext uri="{BB962C8B-B14F-4D97-AF65-F5344CB8AC3E}">
+        <p14:creationId xmlns:p14="http://schemas.microsoft.com/office/powerpoint/2010/main" val="2372091614"/>
+      </p:ext>
+    </p:extLst>
+  </p:cSld>
+  <p:clrMapOvr>
+    <a:masterClrMapping/>
+  </p:clrMapOvr>
+  <p:timing>
+    <p:tnLst>
+      <p:par>
+        <p:cTn id="1" dur="indefinite" restart="never" nodeType="tmRoot">
+          <p:childTnLst>
+            <p:seq concurrent="1" nextAc="seek">
+              <p:cTn id="2" dur="indefinite" nodeType="mainSeq">
+                <p:childTnLst>
+                  <p:par>
+                    <p:cTn id="3" fill="hold">
+                      <p:stCondLst>
+                        <p:cond delay="indefinite"/>
+                      </p:stCondLst>
+                      <p:childTnLst>
+                        <p:par>
+                          <p:cTn id="4" fill="hold">
+                            <p:stCondLst>
+                              <p:cond delay="0"/>
+                            </p:stCondLst>
+                            <p:childTnLst>
+                              <p:par>
+                                <p:cTn id="5" presetID="10" presetClass="entr" presetSubtype="0" fill="hold" grpId="0" nodeType="clickEffect">
+                                  <p:stCondLst>
+                                    <p:cond delay="0"/>
+                                  </p:stCondLst>
+                                  <p:childTnLst>
+                                    <p:set>
+                                      <p:cBhvr>
+                                        <p:cTn id="6" dur="1" fill="hold">
+                                          <p:stCondLst>
+                                            <p:cond delay="0"/>
+                                          </p:stCondLst>
+                                        </p:cTn>
+                                        <p:tgtEl>
+                                          <p:spTgt spid="8">
+                                            <p:txEl>
+                                              <p:pRg st="0" end="0"/>
+                                            </p:txEl>
+                                          </p:spTgt>
+                                        </p:tgtEl>
+                                        <p:attrNameLst>
+                                          <p:attrName>style.visibility</p:attrName>
+                                        </p:attrNameLst>
+                                      </p:cBhvr>
+                                      <p:to>
+                                        <p:strVal val="visible"/>
+                                      </p:to>
+                                    </p:set>
+                                    <p:animEffect transition="in" filter="fade">
+                                      <p:cBhvr>
+                                        <p:cTn id="7" dur="200"/>
+                                        <p:tgtEl>
+                                          <p:spTgt spid="8">
+                                            <p:txEl>
+                                              <p:pRg st="0" end="0"/>
+                                            </p:txEl>
+                                          </p:spTgt>
+                                        </p:tgtEl>
+                                      </p:cBhvr>
+                                    </p:animEffect>
+                                  </p:childTnLst>
+                                </p:cTn>
+                              </p:par>
+                            </p:childTnLst>
+                          </p:cTn>
+                        </p:par>
+                        <p:par>
+                          <p:cTn id="8" fill="hold">
+                            <p:stCondLst>
+                              <p:cond delay="200"/>
+                            </p:stCondLst>
+                            <p:childTnLst>
+                              <p:par>
+                                <p:cTn id="9" presetID="10" presetClass="entr" presetSubtype="0" fill="hold" grpId="0" nodeType="afterEffect">
+                                  <p:stCondLst>
+                                    <p:cond delay="0"/>
+                                  </p:stCondLst>
+                                  <p:childTnLst>
+                                    <p:set>
+                                      <p:cBhvr>
+                                        <p:cTn id="10" dur="1" fill="hold">
+                                          <p:stCondLst>
+                                            <p:cond delay="0"/>
+                                          </p:stCondLst>
+                                        </p:cTn>
+                                        <p:tgtEl>
+                                          <p:spTgt spid="2"/>
+                                        </p:tgtEl>
+                                        <p:attrNameLst>
+                                          <p:attrName>style.visibility</p:attrName>
+                                        </p:attrNameLst>
+                                      </p:cBhvr>
+                                      <p:to>
+                                        <p:strVal val="visible"/>
+                                      </p:to>
+                                    </p:set>
+                                    <p:animEffect transition="in" filter="fade">
+                                      <p:cBhvr>
+                                        <p:cTn id="11" dur="300"/>
+                                        <p:tgtEl>
+                                          <p:spTgt spid="2"/>
+                                        </p:tgtEl>
+                                      </p:cBhvr>
+                                    </p:animEffect>
+                                  </p:childTnLst>
+                                </p:cTn>
+                              </p:par>
+                              <p:par>
+                                <p:cTn id="12" presetID="0" presetClass="path" presetSubtype="0" accel="50000" decel="50000" fill="hold" grpId="1" nodeType="withEffect">
+                                  <p:stCondLst>
+                                    <p:cond delay="0"/>
+                                  </p:stCondLst>
+                                  <p:childTnLst>
+                                    <p:animMotion origin="layout" path="M 0 0 L -0.05 0 " pathEditMode="relative" ptsTypes="AA">
+                                      <p:cBhvr>
+                                        <p:cTn id="13" dur="300" fill="hold"/>
+                                        <p:tgtEl>
+                                          <p:spTgt spid="2"/>
+                                        </p:tgtEl>
+                                        <p:attrNameLst>
+                                          <p:attrName>ppt_x</p:attrName>
+                                          <p:attrName>ppt_y</p:attrName>
+                                        </p:attrNameLst>
+                                      </p:cBhvr>
+                                    </p:animMotion>
+                                  </p:childTnLst>
+                                </p:cTn>
+                              </p:par>
+                            </p:childTnLst>
+                          </p:cTn>
+                        </p:par>
+                      </p:childTnLst>
+                    </p:cTn>
+                  </p:par>
+                </p:childTnLst>
+              </p:cTn>
+              <p:prevCondLst>
+                <p:cond evt="onPrev" delay="0">
+                  <p:tgtEl>
+                    <p:sldTgt/>
+                  </p:tgtEl>
+                </p:cond>
+              </p:prevCondLst>
+              <p:nextCondLst>
+                <p:cond evt="onNext" delay="0">
+                  <p:tgtEl>
+                    <p:sldTgt/>
+                  </p:tgtEl>
+                </p:cond>
+              </p:nextCondLst>
+            </p:seq>
+          </p:childTnLst>
+        </p:cTn>
+      </p:par>
+    </p:tnLst>
+    <p:bldLst>
+      <p:bldP spid="2" grpId="0"/>
+      <p:bldP spid="2" grpId="1"/>
+      <p:bldP spid="8" grpId="0" build="p">
+        <p:tmplLst>
+          <p:tmpl lvl="1">
+            <p:tnLst>
+              <p:par>
+                <p:cTn presetID="10" presetClass="entr" presetSubtype="0" fill="hold" nodeType="clickEffect">
+                  <p:stCondLst>
+                    <p:cond delay="0"/>
+                  </p:stCondLst>
+                  <p:childTnLst>
+                    <p:set>
+                      <p:cBhvr>
+                        <p:cTn dur="1" fill="hold">
+                          <p:stCondLst>
+                            <p:cond delay="0"/>
+                          </p:stCondLst>
+                        </p:cTn>
+                        <p:tgtEl>
+                          <p:spTgt spid="8"/>
+                        </p:tgtEl>
+                        <p:attrNameLst>
+                          <p:attrName>style.visibility</p:attrName>
+                        </p:attrNameLst>
+                      </p:cBhvr>
+                      <p:to>
+                        <p:strVal val="visible"/>
+                      </p:to>
+                    </p:set>
+                    <p:animEffect transition="in" filter="fade">
+                      <p:cBhvr>
+                        <p:cTn dur="200"/>
+                        <p:tgtEl>
+                          <p:spTgt spid="8"/>
+                        </p:tgtEl>
+                      </p:cBhvr>
+                    </p:animEffect>
+                  </p:childTnLst>
+                </p:cTn>
+              </p:par>
+            </p:tnLst>
+          </p:tmpl>
+        </p:tmplLst>
+      </p:bldP>
+    </p:bldLst>
+  </p:timing>
 </p:sldLayout>
 </file>
 
@@ -2638,7 +3107,7 @@
             <a:fld id="{DBE77699-C466-4996-ADED-71C8160E04A2}" type="datetimeFigureOut">
               <a:rPr lang="en-US" smtClean="0"/>
               <a:pPr/>
-              <a:t>7/2/20</a:t>
+              <a:t>10/21/20</a:t>
             </a:fld>
             <a:endParaRPr lang="en-US"/>
           </a:p>
@@ -2880,7 +3349,7 @@
             <a:fld id="{DBE77699-C466-4996-ADED-71C8160E04A2}" type="datetimeFigureOut">
               <a:rPr lang="en-US" smtClean="0"/>
               <a:pPr/>
-              <a:t>7/2/20</a:t>
+              <a:t>10/21/20</a:t>
             </a:fld>
             <a:endParaRPr lang="en-US"/>
           </a:p>
@@ -3162,7 +3631,7 @@
             <a:fld id="{DBE77699-C466-4996-ADED-71C8160E04A2}" type="datetimeFigureOut">
               <a:rPr lang="en-US" smtClean="0"/>
               <a:pPr/>
-              <a:t>7/2/20</a:t>
+              <a:t>10/21/20</a:t>
             </a:fld>
             <a:endParaRPr lang="en-US"/>
           </a:p>
@@ -3578,7 +4047,7 @@
             <a:fld id="{DBE77699-C466-4996-ADED-71C8160E04A2}" type="datetimeFigureOut">
               <a:rPr lang="en-US" smtClean="0"/>
               <a:pPr/>
-              <a:t>7/2/20</a:t>
+              <a:t>10/21/20</a:t>
             </a:fld>
             <a:endParaRPr lang="en-US"/>
           </a:p>
@@ -3692,7 +4161,7 @@
             <a:fld id="{DBE77699-C466-4996-ADED-71C8160E04A2}" type="datetimeFigureOut">
               <a:rPr lang="en-US" smtClean="0"/>
               <a:pPr/>
-              <a:t>7/2/20</a:t>
+              <a:t>10/21/20</a:t>
             </a:fld>
             <a:endParaRPr lang="en-US"/>
           </a:p>
@@ -3784,7 +4253,7 @@
             <a:fld id="{DBE77699-C466-4996-ADED-71C8160E04A2}" type="datetimeFigureOut">
               <a:rPr lang="en-US" smtClean="0"/>
               <a:pPr/>
-              <a:t>7/2/20</a:t>
+              <a:t>10/21/20</a:t>
             </a:fld>
             <a:endParaRPr lang="en-US"/>
           </a:p>
@@ -4056,7 +4525,7 @@
             <a:fld id="{DBE77699-C466-4996-ADED-71C8160E04A2}" type="datetimeFigureOut">
               <a:rPr lang="en-US" smtClean="0"/>
               <a:pPr/>
-              <a:t>7/2/20</a:t>
+              <a:t>10/21/20</a:t>
             </a:fld>
             <a:endParaRPr lang="en-US"/>
           </a:p>
@@ -4305,7 +4774,7 @@
             <a:fld id="{DBE77699-C466-4996-ADED-71C8160E04A2}" type="datetimeFigureOut">
               <a:rPr lang="en-US" smtClean="0"/>
               <a:pPr/>
-              <a:t>7/2/20</a:t>
+              <a:t>10/21/20</a:t>
             </a:fld>
             <a:endParaRPr lang="en-US"/>
           </a:p>
@@ -4516,7 +4985,7 @@
             <a:fld id="{DBE77699-C466-4996-ADED-71C8160E04A2}" type="datetimeFigureOut">
               <a:rPr lang="en-US" smtClean="0"/>
               <a:pPr/>
-              <a:t>7/2/20</a:t>
+              <a:t>10/21/20</a:t>
             </a:fld>
             <a:endParaRPr lang="en-US"/>
           </a:p>
@@ -4616,6 +5085,7 @@
     <p:sldLayoutId id="2147483657" r:id="rId9"/>
     <p:sldLayoutId id="2147483658" r:id="rId10"/>
     <p:sldLayoutId id="2147483659" r:id="rId11"/>
+    <p:sldLayoutId id="2147483660" r:id="rId12"/>
   </p:sldLayoutIdLst>
   <p:txStyles>
     <p:titleStyle>
@@ -5728,6 +6198,2507 @@
           <a:chExt cx="0" cy="0"/>
         </a:xfrm>
       </p:grpSpPr>
+      <p:grpSp>
+        <p:nvGrpSpPr>
+          <p:cNvPr id="19" name="Group 18">
+            <a:extLst>
+              <a:ext uri="{FF2B5EF4-FFF2-40B4-BE49-F238E27FC236}">
+                <a16:creationId xmlns:a16="http://schemas.microsoft.com/office/drawing/2014/main" id="{3B9D3AAD-602B-A34F-B307-15C94CE36106}"/>
+              </a:ext>
+            </a:extLst>
+          </p:cNvPr>
+          <p:cNvGrpSpPr/>
+          <p:nvPr/>
+        </p:nvGrpSpPr>
+        <p:grpSpPr>
+          <a:xfrm>
+            <a:off x="4800600" y="3338622"/>
+            <a:ext cx="3124200" cy="276999"/>
+            <a:chOff x="4800600" y="3338622"/>
+            <a:chExt cx="3124200" cy="276999"/>
+          </a:xfrm>
+        </p:grpSpPr>
+        <p:sp>
+          <p:nvSpPr>
+            <p:cNvPr id="5" name="Rectangle 4"/>
+            <p:cNvSpPr/>
+            <p:nvPr/>
+          </p:nvSpPr>
+          <p:spPr>
+            <a:xfrm>
+              <a:off x="4800600" y="3366565"/>
+              <a:ext cx="3124200" cy="249055"/>
+            </a:xfrm>
+            <a:prstGeom prst="rect">
+              <a:avLst/>
+            </a:prstGeom>
+            <a:solidFill>
+              <a:srgbClr val="009EC0"/>
+            </a:solidFill>
+            <a:ln>
+              <a:solidFill>
+                <a:srgbClr val="009EC0"/>
+              </a:solidFill>
+            </a:ln>
+            <a:effectLst/>
+          </p:spPr>
+          <p:style>
+            <a:lnRef idx="1">
+              <a:schemeClr val="accent1"/>
+            </a:lnRef>
+            <a:fillRef idx="3">
+              <a:schemeClr val="accent1"/>
+            </a:fillRef>
+            <a:effectRef idx="2">
+              <a:schemeClr val="accent1"/>
+            </a:effectRef>
+            <a:fontRef idx="minor">
+              <a:schemeClr val="lt1"/>
+            </a:fontRef>
+          </p:style>
+          <p:txBody>
+            <a:bodyPr rtlCol="0" anchor="ctr"/>
+            <a:lstStyle/>
+            <a:p>
+              <a:pPr algn="ctr"/>
+              <a:endParaRPr lang="en-US"/>
+            </a:p>
+          </p:txBody>
+        </p:sp>
+        <p:sp>
+          <p:nvSpPr>
+            <p:cNvPr id="11" name="TextBox 10"/>
+            <p:cNvSpPr txBox="1"/>
+            <p:nvPr/>
+          </p:nvSpPr>
+          <p:spPr>
+            <a:xfrm>
+              <a:off x="4807334" y="3338622"/>
+              <a:ext cx="1705138" cy="276999"/>
+            </a:xfrm>
+            <a:prstGeom prst="rect">
+              <a:avLst/>
+            </a:prstGeom>
+            <a:noFill/>
+          </p:spPr>
+          <p:txBody>
+            <a:bodyPr wrap="square" rtlCol="0">
+              <a:spAutoFit/>
+            </a:bodyPr>
+            <a:lstStyle/>
+            <a:p>
+              <a:r>
+                <a:rPr lang="en-US" sz="1200" dirty="0">
+                  <a:solidFill>
+                    <a:schemeClr val="bg1"/>
+                  </a:solidFill>
+                </a:rPr>
+                <a:t>Gospels recorded</a:t>
+              </a:r>
+            </a:p>
+          </p:txBody>
+        </p:sp>
+      </p:grpSp>
+      <p:grpSp>
+        <p:nvGrpSpPr>
+          <p:cNvPr id="18" name="Group 17">
+            <a:extLst>
+              <a:ext uri="{FF2B5EF4-FFF2-40B4-BE49-F238E27FC236}">
+                <a16:creationId xmlns:a16="http://schemas.microsoft.com/office/drawing/2014/main" id="{852AC560-F153-C644-8F5F-CD96C642F67A}"/>
+              </a:ext>
+            </a:extLst>
+          </p:cNvPr>
+          <p:cNvGrpSpPr/>
+          <p:nvPr/>
+        </p:nvGrpSpPr>
+        <p:grpSpPr>
+          <a:xfrm>
+            <a:off x="238246" y="3338622"/>
+            <a:ext cx="2655548" cy="276999"/>
+            <a:chOff x="238246" y="3338622"/>
+            <a:chExt cx="2655548" cy="276999"/>
+          </a:xfrm>
+        </p:grpSpPr>
+        <p:sp>
+          <p:nvSpPr>
+            <p:cNvPr id="21" name="Rectangle 20"/>
+            <p:cNvSpPr/>
+            <p:nvPr/>
+          </p:nvSpPr>
+          <p:spPr>
+            <a:xfrm>
+              <a:off x="238246" y="3366994"/>
+              <a:ext cx="2655548" cy="217175"/>
+            </a:xfrm>
+            <a:prstGeom prst="rect">
+              <a:avLst/>
+            </a:prstGeom>
+            <a:solidFill>
+              <a:srgbClr val="009EC0"/>
+            </a:solidFill>
+            <a:ln>
+              <a:solidFill>
+                <a:srgbClr val="009EC0"/>
+              </a:solidFill>
+            </a:ln>
+            <a:effectLst/>
+          </p:spPr>
+          <p:style>
+            <a:lnRef idx="1">
+              <a:schemeClr val="accent1"/>
+            </a:lnRef>
+            <a:fillRef idx="3">
+              <a:schemeClr val="accent1"/>
+            </a:fillRef>
+            <a:effectRef idx="2">
+              <a:schemeClr val="accent1"/>
+            </a:effectRef>
+            <a:fontRef idx="minor">
+              <a:schemeClr val="lt1"/>
+            </a:fontRef>
+          </p:style>
+          <p:txBody>
+            <a:bodyPr rtlCol="0" anchor="ctr"/>
+            <a:lstStyle/>
+            <a:p>
+              <a:pPr algn="ctr"/>
+              <a:endParaRPr lang="en-US"/>
+            </a:p>
+          </p:txBody>
+        </p:sp>
+        <p:sp>
+          <p:nvSpPr>
+            <p:cNvPr id="23" name="TextBox 22"/>
+            <p:cNvSpPr txBox="1"/>
+            <p:nvPr/>
+          </p:nvSpPr>
+          <p:spPr>
+            <a:xfrm>
+              <a:off x="242135" y="3338622"/>
+              <a:ext cx="2146300" cy="276999"/>
+            </a:xfrm>
+            <a:prstGeom prst="rect">
+              <a:avLst/>
+            </a:prstGeom>
+            <a:noFill/>
+          </p:spPr>
+          <p:txBody>
+            <a:bodyPr wrap="square" rtlCol="0">
+              <a:spAutoFit/>
+            </a:bodyPr>
+            <a:lstStyle/>
+            <a:p>
+              <a:r>
+                <a:rPr lang="en-US" sz="1200" dirty="0">
+                  <a:solidFill>
+                    <a:schemeClr val="bg1"/>
+                  </a:solidFill>
+                </a:rPr>
+                <a:t>Jesus’ Life</a:t>
+              </a:r>
+              <a:endParaRPr lang="en-US" sz="1100" dirty="0">
+                <a:solidFill>
+                  <a:schemeClr val="bg1"/>
+                </a:solidFill>
+              </a:endParaRPr>
+            </a:p>
+          </p:txBody>
+        </p:sp>
+      </p:grpSp>
+      <p:sp>
+        <p:nvSpPr>
+          <p:cNvPr id="46" name="TextBox 45"/>
+          <p:cNvSpPr txBox="1"/>
+          <p:nvPr/>
+        </p:nvSpPr>
+        <p:spPr>
+          <a:xfrm>
+            <a:off x="228600" y="152400"/>
+            <a:ext cx="8610600" cy="769441"/>
+          </a:xfrm>
+          <a:prstGeom prst="rect">
+            <a:avLst/>
+          </a:prstGeom>
+          <a:noFill/>
+        </p:spPr>
+        <p:txBody>
+          <a:bodyPr wrap="square" rtlCol="0">
+            <a:spAutoFit/>
+          </a:bodyPr>
+          <a:lstStyle/>
+          <a:p>
+            <a:r>
+              <a:rPr lang="en-US" sz="4400" b="1" dirty="0"/>
+              <a:t>New Testament Timeline</a:t>
+            </a:r>
+          </a:p>
+        </p:txBody>
+      </p:sp>
+      <p:sp>
+        <p:nvSpPr>
+          <p:cNvPr id="47" name="TextBox 46"/>
+          <p:cNvSpPr txBox="1"/>
+          <p:nvPr/>
+        </p:nvSpPr>
+        <p:spPr>
+          <a:xfrm>
+            <a:off x="228600" y="762000"/>
+            <a:ext cx="8610600" cy="461665"/>
+          </a:xfrm>
+          <a:prstGeom prst="rect">
+            <a:avLst/>
+          </a:prstGeom>
+          <a:noFill/>
+        </p:spPr>
+        <p:txBody>
+          <a:bodyPr wrap="square" rtlCol="0">
+            <a:spAutoFit/>
+          </a:bodyPr>
+          <a:lstStyle/>
+          <a:p>
+            <a:endParaRPr lang="en-US" sz="2400" b="1" dirty="0">
+              <a:solidFill>
+                <a:schemeClr val="bg1">
+                  <a:lumMod val="50000"/>
+                  <a:lumOff val="50000"/>
+                </a:schemeClr>
+              </a:solidFill>
+            </a:endParaRPr>
+          </a:p>
+        </p:txBody>
+      </p:sp>
+      <p:graphicFrame>
+        <p:nvGraphicFramePr>
+          <p:cNvPr id="2" name="Table 1">
+            <a:extLst>
+              <a:ext uri="{FF2B5EF4-FFF2-40B4-BE49-F238E27FC236}">
+                <a16:creationId xmlns:a16="http://schemas.microsoft.com/office/drawing/2014/main" id="{D7E85ACF-A70F-E54A-8A3D-4DCD557E7DC3}"/>
+              </a:ext>
+            </a:extLst>
+          </p:cNvPr>
+          <p:cNvGraphicFramePr>
+            <a:graphicFrameLocks noGrp="1"/>
+          </p:cNvGraphicFramePr>
+          <p:nvPr>
+            <p:extLst>
+              <p:ext uri="{D42A27DB-BD31-4B8C-83A1-F6EECF244321}">
+                <p14:modId xmlns:p14="http://schemas.microsoft.com/office/powerpoint/2010/main" val="3450094457"/>
+              </p:ext>
+            </p:extLst>
+          </p:nvPr>
+        </p:nvGraphicFramePr>
+        <p:xfrm>
+          <a:off x="6629400" y="5971669"/>
+          <a:ext cx="2360976" cy="370840"/>
+        </p:xfrm>
+        <a:graphic>
+          <a:graphicData uri="http://schemas.openxmlformats.org/drawingml/2006/table">
+            <a:tbl>
+              <a:tblPr firstRow="1" bandRow="1">
+                <a:tableStyleId>{2D5ABB26-0587-4C30-8999-92F81FD0307C}</a:tableStyleId>
+              </a:tblPr>
+              <a:tblGrid>
+                <a:gridCol w="208280">
+                  <a:extLst>
+                    <a:ext uri="{9D8B030D-6E8A-4147-A177-3AD203B41FA5}">
+                      <a16:colId xmlns:a16="http://schemas.microsoft.com/office/drawing/2014/main" val="1587587882"/>
+                    </a:ext>
+                  </a:extLst>
+                </a:gridCol>
+                <a:gridCol w="2152696">
+                  <a:extLst>
+                    <a:ext uri="{9D8B030D-6E8A-4147-A177-3AD203B41FA5}">
+                      <a16:colId xmlns:a16="http://schemas.microsoft.com/office/drawing/2014/main" val="1338497365"/>
+                    </a:ext>
+                  </a:extLst>
+                </a:gridCol>
+              </a:tblGrid>
+              <a:tr h="370840">
+                <a:tc>
+                  <a:txBody>
+                    <a:bodyPr/>
+                    <a:lstStyle/>
+                    <a:p>
+                      <a:pPr algn="r"/>
+                      <a:r>
+                        <a:rPr lang="en-US" baseline="30000" dirty="0"/>
+                        <a:t>1</a:t>
+                      </a:r>
+                    </a:p>
+                  </a:txBody>
+                  <a:tcPr/>
+                </a:tc>
+                <a:tc>
+                  <a:txBody>
+                    <a:bodyPr/>
+                    <a:lstStyle/>
+                    <a:p>
+                      <a:r>
+                        <a:rPr lang="en-US" dirty="0"/>
+                        <a:t>Acts 9:18</a:t>
+                      </a:r>
+                    </a:p>
+                  </a:txBody>
+                  <a:tcPr/>
+                </a:tc>
+                <a:extLst>
+                  <a:ext uri="{0D108BD9-81ED-4DB2-BD59-A6C34878D82A}">
+                    <a16:rowId xmlns:a16="http://schemas.microsoft.com/office/drawing/2014/main" val="1290177786"/>
+                  </a:ext>
+                </a:extLst>
+              </a:tr>
+            </a:tbl>
+          </a:graphicData>
+        </a:graphic>
+      </p:graphicFrame>
+      <p:grpSp>
+        <p:nvGrpSpPr>
+          <p:cNvPr id="28" name="Group 27">
+            <a:extLst>
+              <a:ext uri="{FF2B5EF4-FFF2-40B4-BE49-F238E27FC236}">
+                <a16:creationId xmlns:a16="http://schemas.microsoft.com/office/drawing/2014/main" id="{B419CC3D-A199-B64F-99D5-6FDCD969D50C}"/>
+              </a:ext>
+            </a:extLst>
+          </p:cNvPr>
+          <p:cNvGrpSpPr/>
+          <p:nvPr/>
+        </p:nvGrpSpPr>
+        <p:grpSpPr>
+          <a:xfrm>
+            <a:off x="4401704" y="3090181"/>
+            <a:ext cx="1604628" cy="276999"/>
+            <a:chOff x="4401704" y="3090181"/>
+            <a:chExt cx="1604628" cy="276999"/>
+          </a:xfrm>
+        </p:grpSpPr>
+        <p:sp>
+          <p:nvSpPr>
+            <p:cNvPr id="71" name="Rectangle 70">
+              <a:extLst>
+                <a:ext uri="{FF2B5EF4-FFF2-40B4-BE49-F238E27FC236}">
+                  <a16:creationId xmlns:a16="http://schemas.microsoft.com/office/drawing/2014/main" id="{D7511B0E-3692-7249-9392-75B0752C2B04}"/>
+                </a:ext>
+              </a:extLst>
+            </p:cNvPr>
+            <p:cNvSpPr/>
+            <p:nvPr/>
+          </p:nvSpPr>
+          <p:spPr>
+            <a:xfrm>
+              <a:off x="4401704" y="3102507"/>
+              <a:ext cx="1420958" cy="236116"/>
+            </a:xfrm>
+            <a:prstGeom prst="rect">
+              <a:avLst/>
+            </a:prstGeom>
+            <a:solidFill>
+              <a:srgbClr val="009EC0"/>
+            </a:solidFill>
+            <a:ln>
+              <a:solidFill>
+                <a:srgbClr val="009EC0"/>
+              </a:solidFill>
+            </a:ln>
+            <a:effectLst/>
+          </p:spPr>
+          <p:style>
+            <a:lnRef idx="1">
+              <a:schemeClr val="accent1"/>
+            </a:lnRef>
+            <a:fillRef idx="3">
+              <a:schemeClr val="accent1"/>
+            </a:fillRef>
+            <a:effectRef idx="2">
+              <a:schemeClr val="accent1"/>
+            </a:effectRef>
+            <a:fontRef idx="minor">
+              <a:schemeClr val="lt1"/>
+            </a:fontRef>
+          </p:style>
+          <p:txBody>
+            <a:bodyPr rtlCol="0" anchor="ctr"/>
+            <a:lstStyle/>
+            <a:p>
+              <a:pPr algn="ctr"/>
+              <a:endParaRPr lang="en-US"/>
+            </a:p>
+          </p:txBody>
+        </p:sp>
+        <p:sp>
+          <p:nvSpPr>
+            <p:cNvPr id="72" name="TextBox 71">
+              <a:extLst>
+                <a:ext uri="{FF2B5EF4-FFF2-40B4-BE49-F238E27FC236}">
+                  <a16:creationId xmlns:a16="http://schemas.microsoft.com/office/drawing/2014/main" id="{F91784E8-07DD-034A-A540-B75555D743A4}"/>
+                </a:ext>
+              </a:extLst>
+            </p:cNvPr>
+            <p:cNvSpPr txBox="1"/>
+            <p:nvPr/>
+          </p:nvSpPr>
+          <p:spPr>
+            <a:xfrm>
+              <a:off x="4401704" y="3090181"/>
+              <a:ext cx="1604628" cy="276999"/>
+            </a:xfrm>
+            <a:prstGeom prst="rect">
+              <a:avLst/>
+            </a:prstGeom>
+            <a:noFill/>
+          </p:spPr>
+          <p:txBody>
+            <a:bodyPr wrap="square" rtlCol="0">
+              <a:spAutoFit/>
+            </a:bodyPr>
+            <a:lstStyle/>
+            <a:p>
+              <a:r>
+                <a:rPr lang="en-US" sz="1200" dirty="0">
+                  <a:solidFill>
+                    <a:schemeClr val="bg1"/>
+                  </a:solidFill>
+                </a:rPr>
+                <a:t>Undisputed Epistles</a:t>
+              </a:r>
+            </a:p>
+          </p:txBody>
+        </p:sp>
+      </p:grpSp>
+      <p:grpSp>
+        <p:nvGrpSpPr>
+          <p:cNvPr id="22" name="Group 21">
+            <a:extLst>
+              <a:ext uri="{FF2B5EF4-FFF2-40B4-BE49-F238E27FC236}">
+                <a16:creationId xmlns:a16="http://schemas.microsoft.com/office/drawing/2014/main" id="{28D8B75C-7C7B-DD49-8AEB-4FBC92FAE0C0}"/>
+              </a:ext>
+            </a:extLst>
+          </p:cNvPr>
+          <p:cNvGrpSpPr/>
+          <p:nvPr/>
+        </p:nvGrpSpPr>
+        <p:grpSpPr>
+          <a:xfrm>
+            <a:off x="3045576" y="3366566"/>
+            <a:ext cx="1602624" cy="853937"/>
+            <a:chOff x="3045576" y="3366566"/>
+            <a:chExt cx="1602624" cy="853937"/>
+          </a:xfrm>
+        </p:grpSpPr>
+        <p:sp>
+          <p:nvSpPr>
+            <p:cNvPr id="35" name="TextBox 34">
+              <a:extLst>
+                <a:ext uri="{FF2B5EF4-FFF2-40B4-BE49-F238E27FC236}">
+                  <a16:creationId xmlns:a16="http://schemas.microsoft.com/office/drawing/2014/main" id="{BBFFC284-1591-5C48-B2EC-5B59511CD580}"/>
+                </a:ext>
+              </a:extLst>
+            </p:cNvPr>
+            <p:cNvSpPr txBox="1"/>
+            <p:nvPr/>
+          </p:nvSpPr>
+          <p:spPr>
+            <a:xfrm>
+              <a:off x="3296066" y="3489360"/>
+              <a:ext cx="1352134" cy="523220"/>
+            </a:xfrm>
+            <a:prstGeom prst="rect">
+              <a:avLst/>
+            </a:prstGeom>
+            <a:noFill/>
+          </p:spPr>
+          <p:txBody>
+            <a:bodyPr wrap="square" rtlCol="0">
+              <a:spAutoFit/>
+            </a:bodyPr>
+            <a:lstStyle/>
+            <a:p>
+              <a:r>
+                <a:rPr lang="en-US" sz="1400" dirty="0">
+                  <a:solidFill>
+                    <a:srgbClr val="D7D7D7"/>
+                  </a:solidFill>
+                </a:rPr>
+                <a:t>Paul becomes a Christian </a:t>
+              </a:r>
+              <a:r>
+                <a:rPr lang="en-US" sz="1400" baseline="30000" dirty="0">
+                  <a:solidFill>
+                    <a:srgbClr val="D7D7D7"/>
+                  </a:solidFill>
+                </a:rPr>
+                <a:t>1</a:t>
+              </a:r>
+              <a:r>
+                <a:rPr lang="en-US" sz="1400" dirty="0">
+                  <a:solidFill>
+                    <a:srgbClr val="D7D7D7"/>
+                  </a:solidFill>
+                </a:rPr>
+                <a:t> </a:t>
+              </a:r>
+            </a:p>
+          </p:txBody>
+        </p:sp>
+        <p:sp>
+          <p:nvSpPr>
+            <p:cNvPr id="36" name="TextBox 35">
+              <a:extLst>
+                <a:ext uri="{FF2B5EF4-FFF2-40B4-BE49-F238E27FC236}">
+                  <a16:creationId xmlns:a16="http://schemas.microsoft.com/office/drawing/2014/main" id="{773ACB04-08B5-944E-AEDA-0096781BE3D9}"/>
+                </a:ext>
+              </a:extLst>
+            </p:cNvPr>
+            <p:cNvSpPr txBox="1"/>
+            <p:nvPr/>
+          </p:nvSpPr>
+          <p:spPr>
+            <a:xfrm>
+              <a:off x="3281815" y="3958893"/>
+              <a:ext cx="665567" cy="261610"/>
+            </a:xfrm>
+            <a:prstGeom prst="rect">
+              <a:avLst/>
+            </a:prstGeom>
+            <a:noFill/>
+          </p:spPr>
+          <p:txBody>
+            <a:bodyPr wrap="none" rtlCol="0">
+              <a:spAutoFit/>
+            </a:bodyPr>
+            <a:lstStyle/>
+            <a:p>
+              <a:r>
+                <a:rPr lang="en-US" sz="1100" dirty="0">
+                  <a:solidFill>
+                    <a:srgbClr val="D7D7D7"/>
+                  </a:solidFill>
+                </a:rPr>
+                <a:t>+2 years</a:t>
+              </a:r>
+              <a:endParaRPr lang="en-US" sz="900" dirty="0">
+                <a:solidFill>
+                  <a:srgbClr val="D7D7D7"/>
+                </a:solidFill>
+              </a:endParaRPr>
+            </a:p>
+          </p:txBody>
+        </p:sp>
+        <p:cxnSp>
+          <p:nvCxnSpPr>
+            <p:cNvPr id="44" name="Elbow Connector 43">
+              <a:extLst>
+                <a:ext uri="{FF2B5EF4-FFF2-40B4-BE49-F238E27FC236}">
+                  <a16:creationId xmlns:a16="http://schemas.microsoft.com/office/drawing/2014/main" id="{AA14FF14-08D5-7843-8F60-01F11A133600}"/>
+                </a:ext>
+              </a:extLst>
+            </p:cNvPr>
+            <p:cNvCxnSpPr>
+              <a:cxnSpLocks/>
+              <a:stCxn id="35" idx="1"/>
+            </p:cNvCxnSpPr>
+            <p:nvPr/>
+          </p:nvCxnSpPr>
+          <p:spPr>
+            <a:xfrm rot="10800000">
+              <a:off x="3045576" y="3366566"/>
+              <a:ext cx="250490" cy="384404"/>
+            </a:xfrm>
+            <a:prstGeom prst="bentConnector2">
+              <a:avLst/>
+            </a:prstGeom>
+            <a:ln>
+              <a:solidFill>
+                <a:srgbClr val="009EC0"/>
+              </a:solidFill>
+            </a:ln>
+          </p:spPr>
+          <p:style>
+            <a:lnRef idx="1">
+              <a:schemeClr val="accent1"/>
+            </a:lnRef>
+            <a:fillRef idx="0">
+              <a:schemeClr val="accent1"/>
+            </a:fillRef>
+            <a:effectRef idx="0">
+              <a:schemeClr val="accent1"/>
+            </a:effectRef>
+            <a:fontRef idx="minor">
+              <a:schemeClr val="tx1"/>
+            </a:fontRef>
+          </p:style>
+        </p:cxnSp>
+      </p:grpSp>
+      <p:grpSp>
+        <p:nvGrpSpPr>
+          <p:cNvPr id="25" name="Group 24">
+            <a:extLst>
+              <a:ext uri="{FF2B5EF4-FFF2-40B4-BE49-F238E27FC236}">
+                <a16:creationId xmlns:a16="http://schemas.microsoft.com/office/drawing/2014/main" id="{67F63A2D-D94D-3440-ACBD-F4A0F912972F}"/>
+              </a:ext>
+            </a:extLst>
+          </p:cNvPr>
+          <p:cNvGrpSpPr/>
+          <p:nvPr/>
+        </p:nvGrpSpPr>
+        <p:grpSpPr>
+          <a:xfrm>
+            <a:off x="4572000" y="2210422"/>
+            <a:ext cx="3687787" cy="944908"/>
+            <a:chOff x="4572000" y="2210422"/>
+            <a:chExt cx="3687787" cy="944908"/>
+          </a:xfrm>
+        </p:grpSpPr>
+        <p:grpSp>
+          <p:nvGrpSpPr>
+            <p:cNvPr id="73" name="Group 72">
+              <a:extLst>
+                <a:ext uri="{FF2B5EF4-FFF2-40B4-BE49-F238E27FC236}">
+                  <a16:creationId xmlns:a16="http://schemas.microsoft.com/office/drawing/2014/main" id="{27C924BA-A0BD-DD4A-B4C4-8850E79959D7}"/>
+                </a:ext>
+              </a:extLst>
+            </p:cNvPr>
+            <p:cNvGrpSpPr/>
+            <p:nvPr/>
+          </p:nvGrpSpPr>
+          <p:grpSpPr>
+            <a:xfrm>
+              <a:off x="4814067" y="2210422"/>
+              <a:ext cx="3445720" cy="703186"/>
+              <a:chOff x="4643593" y="2393125"/>
+              <a:chExt cx="3445720" cy="703186"/>
+            </a:xfrm>
+          </p:grpSpPr>
+          <p:sp>
+            <p:nvSpPr>
+              <p:cNvPr id="12" name="TextBox 11"/>
+              <p:cNvSpPr txBox="1"/>
+              <p:nvPr/>
+            </p:nvSpPr>
+            <p:spPr>
+              <a:xfrm>
+                <a:off x="4648200" y="2393125"/>
+                <a:ext cx="3441113" cy="523220"/>
+              </a:xfrm>
+              <a:prstGeom prst="rect">
+                <a:avLst/>
+              </a:prstGeom>
+              <a:noFill/>
+            </p:spPr>
+            <p:txBody>
+              <a:bodyPr wrap="square" rtlCol="0">
+                <a:spAutoFit/>
+              </a:bodyPr>
+              <a:lstStyle/>
+              <a:p>
+                <a:r>
+                  <a:rPr lang="en-US" sz="1400" dirty="0">
+                    <a:solidFill>
+                      <a:srgbClr val="D7D7D7"/>
+                    </a:solidFill>
+                  </a:rPr>
+                  <a:t>Galatians, 1 Thessalonians, Romans</a:t>
+                </a:r>
+              </a:p>
+              <a:p>
+                <a:r>
+                  <a:rPr lang="en-US" sz="1400" dirty="0">
+                    <a:solidFill>
+                      <a:srgbClr val="D7D7D7"/>
+                    </a:solidFill>
+                  </a:rPr>
+                  <a:t>Philemon, 1-2 Corinthians</a:t>
+                </a:r>
+              </a:p>
+            </p:txBody>
+          </p:sp>
+          <p:sp>
+            <p:nvSpPr>
+              <p:cNvPr id="38" name="TextBox 37">
+                <a:extLst>
+                  <a:ext uri="{FF2B5EF4-FFF2-40B4-BE49-F238E27FC236}">
+                    <a16:creationId xmlns:a16="http://schemas.microsoft.com/office/drawing/2014/main" id="{B42B3896-CF40-2345-8D10-82F1A59C2984}"/>
+                  </a:ext>
+                </a:extLst>
+              </p:cNvPr>
+              <p:cNvSpPr txBox="1"/>
+              <p:nvPr/>
+            </p:nvSpPr>
+            <p:spPr>
+              <a:xfrm>
+                <a:off x="4643593" y="2834701"/>
+                <a:ext cx="925253" cy="261610"/>
+              </a:xfrm>
+              <a:prstGeom prst="rect">
+                <a:avLst/>
+              </a:prstGeom>
+              <a:noFill/>
+            </p:spPr>
+            <p:txBody>
+              <a:bodyPr wrap="none" rtlCol="0">
+                <a:spAutoFit/>
+              </a:bodyPr>
+              <a:lstStyle/>
+              <a:p>
+                <a:r>
+                  <a:rPr lang="en-US" sz="1100" dirty="0">
+                    <a:solidFill>
+                      <a:srgbClr val="D7D7D7"/>
+                    </a:solidFill>
+                  </a:rPr>
+                  <a:t>+20-30 years</a:t>
+                </a:r>
+                <a:endParaRPr lang="en-US" sz="900" dirty="0">
+                  <a:solidFill>
+                    <a:srgbClr val="D7D7D7"/>
+                  </a:solidFill>
+                </a:endParaRPr>
+              </a:p>
+            </p:txBody>
+          </p:sp>
+        </p:grpSp>
+        <p:cxnSp>
+          <p:nvCxnSpPr>
+            <p:cNvPr id="51" name="Elbow Connector 50">
+              <a:extLst>
+                <a:ext uri="{FF2B5EF4-FFF2-40B4-BE49-F238E27FC236}">
+                  <a16:creationId xmlns:a16="http://schemas.microsoft.com/office/drawing/2014/main" id="{A1BD37D6-7709-CB42-AAAA-BB10F034061F}"/>
+                </a:ext>
+              </a:extLst>
+            </p:cNvPr>
+            <p:cNvCxnSpPr>
+              <a:cxnSpLocks/>
+              <a:stCxn id="12" idx="1"/>
+            </p:cNvCxnSpPr>
+            <p:nvPr/>
+          </p:nvCxnSpPr>
+          <p:spPr>
+            <a:xfrm rot="10800000" flipV="1">
+              <a:off x="4572000" y="2472032"/>
+              <a:ext cx="246674" cy="683298"/>
+            </a:xfrm>
+            <a:prstGeom prst="bentConnector2">
+              <a:avLst/>
+            </a:prstGeom>
+            <a:ln>
+              <a:solidFill>
+                <a:srgbClr val="009EC0"/>
+              </a:solidFill>
+            </a:ln>
+          </p:spPr>
+          <p:style>
+            <a:lnRef idx="1">
+              <a:schemeClr val="accent1"/>
+            </a:lnRef>
+            <a:fillRef idx="0">
+              <a:schemeClr val="accent1"/>
+            </a:fillRef>
+            <a:effectRef idx="0">
+              <a:schemeClr val="accent1"/>
+            </a:effectRef>
+            <a:fontRef idx="minor">
+              <a:schemeClr val="tx1"/>
+            </a:fontRef>
+          </p:style>
+        </p:cxnSp>
+      </p:grpSp>
+      <p:grpSp>
+        <p:nvGrpSpPr>
+          <p:cNvPr id="26" name="Group 25">
+            <a:extLst>
+              <a:ext uri="{FF2B5EF4-FFF2-40B4-BE49-F238E27FC236}">
+                <a16:creationId xmlns:a16="http://schemas.microsoft.com/office/drawing/2014/main" id="{317EE347-1024-134B-8BD1-F7E033CAC389}"/>
+              </a:ext>
+            </a:extLst>
+          </p:cNvPr>
+          <p:cNvGrpSpPr/>
+          <p:nvPr/>
+        </p:nvGrpSpPr>
+        <p:grpSpPr>
+          <a:xfrm>
+            <a:off x="2877749" y="3354323"/>
+            <a:ext cx="1929585" cy="1922532"/>
+            <a:chOff x="2877749" y="3354323"/>
+            <a:chExt cx="1929585" cy="1922532"/>
+          </a:xfrm>
+        </p:grpSpPr>
+        <p:sp>
+          <p:nvSpPr>
+            <p:cNvPr id="40" name="Rectangle 39">
+              <a:extLst>
+                <a:ext uri="{FF2B5EF4-FFF2-40B4-BE49-F238E27FC236}">
+                  <a16:creationId xmlns:a16="http://schemas.microsoft.com/office/drawing/2014/main" id="{2ABAC20C-8568-6C44-B3CA-D5906376B57A}"/>
+                </a:ext>
+              </a:extLst>
+            </p:cNvPr>
+            <p:cNvSpPr/>
+            <p:nvPr/>
+          </p:nvSpPr>
+          <p:spPr>
+            <a:xfrm>
+              <a:off x="2905052" y="4978180"/>
+              <a:ext cx="1902282" cy="298675"/>
+            </a:xfrm>
+            <a:prstGeom prst="rect">
+              <a:avLst/>
+            </a:prstGeom>
+            <a:pattFill prst="wdUpDiag">
+              <a:fgClr>
+                <a:srgbClr val="C00002"/>
+              </a:fgClr>
+              <a:bgClr>
+                <a:srgbClr val="C00002"/>
+              </a:bgClr>
+            </a:pattFill>
+            <a:ln>
+              <a:noFill/>
+            </a:ln>
+            <a:effectLst/>
+          </p:spPr>
+          <p:style>
+            <a:lnRef idx="1">
+              <a:schemeClr val="accent1"/>
+            </a:lnRef>
+            <a:fillRef idx="3">
+              <a:schemeClr val="accent1"/>
+            </a:fillRef>
+            <a:effectRef idx="2">
+              <a:schemeClr val="accent1"/>
+            </a:effectRef>
+            <a:fontRef idx="minor">
+              <a:schemeClr val="lt1"/>
+            </a:fontRef>
+          </p:style>
+          <p:txBody>
+            <a:bodyPr rtlCol="0" anchor="ctr"/>
+            <a:lstStyle/>
+            <a:p>
+              <a:pPr algn="ctr"/>
+              <a:endParaRPr lang="en-US"/>
+            </a:p>
+          </p:txBody>
+        </p:sp>
+        <p:sp>
+          <p:nvSpPr>
+            <p:cNvPr id="20" name="Rectangle 19">
+              <a:extLst>
+                <a:ext uri="{FF2B5EF4-FFF2-40B4-BE49-F238E27FC236}">
+                  <a16:creationId xmlns:a16="http://schemas.microsoft.com/office/drawing/2014/main" id="{CA50193E-BCCA-7B44-A238-4E76B711A278}"/>
+                </a:ext>
+              </a:extLst>
+            </p:cNvPr>
+            <p:cNvSpPr/>
+            <p:nvPr/>
+          </p:nvSpPr>
+          <p:spPr>
+            <a:xfrm>
+              <a:off x="2905052" y="3354323"/>
+              <a:ext cx="1895547" cy="1922529"/>
+            </a:xfrm>
+            <a:prstGeom prst="rect">
+              <a:avLst/>
+            </a:prstGeom>
+            <a:noFill/>
+            <a:ln w="12700">
+              <a:solidFill>
+                <a:srgbClr val="C00002"/>
+              </a:solidFill>
+            </a:ln>
+          </p:spPr>
+          <p:style>
+            <a:lnRef idx="2">
+              <a:schemeClr val="accent1">
+                <a:shade val="50000"/>
+              </a:schemeClr>
+            </a:lnRef>
+            <a:fillRef idx="1">
+              <a:schemeClr val="accent1"/>
+            </a:fillRef>
+            <a:effectRef idx="0">
+              <a:schemeClr val="accent1"/>
+            </a:effectRef>
+            <a:fontRef idx="minor">
+              <a:schemeClr val="lt1"/>
+            </a:fontRef>
+          </p:style>
+          <p:txBody>
+            <a:bodyPr rtlCol="0" anchor="ctr"/>
+            <a:lstStyle/>
+            <a:p>
+              <a:pPr algn="ctr"/>
+              <a:endParaRPr lang="en-US"/>
+            </a:p>
+          </p:txBody>
+        </p:sp>
+        <p:sp>
+          <p:nvSpPr>
+            <p:cNvPr id="53" name="TextBox 52">
+              <a:extLst>
+                <a:ext uri="{FF2B5EF4-FFF2-40B4-BE49-F238E27FC236}">
+                  <a16:creationId xmlns:a16="http://schemas.microsoft.com/office/drawing/2014/main" id="{E780E784-070E-2840-96AD-0C64545D54CC}"/>
+                </a:ext>
+              </a:extLst>
+            </p:cNvPr>
+            <p:cNvSpPr txBox="1"/>
+            <p:nvPr/>
+          </p:nvSpPr>
+          <p:spPr>
+            <a:xfrm>
+              <a:off x="2877749" y="4987510"/>
+              <a:ext cx="1902282" cy="276999"/>
+            </a:xfrm>
+            <a:prstGeom prst="rect">
+              <a:avLst/>
+            </a:prstGeom>
+            <a:noFill/>
+          </p:spPr>
+          <p:txBody>
+            <a:bodyPr wrap="square" rtlCol="0">
+              <a:spAutoFit/>
+            </a:bodyPr>
+            <a:lstStyle/>
+            <a:p>
+              <a:pPr algn="ctr"/>
+              <a:r>
+                <a:rPr lang="en-US" sz="1200" dirty="0">
+                  <a:solidFill>
+                    <a:schemeClr val="bg1"/>
+                  </a:solidFill>
+                </a:rPr>
+                <a:t>Gospels as oral history</a:t>
+              </a:r>
+              <a:endParaRPr lang="en-US" sz="1100" dirty="0">
+                <a:solidFill>
+                  <a:schemeClr val="bg1"/>
+                </a:solidFill>
+              </a:endParaRPr>
+            </a:p>
+          </p:txBody>
+        </p:sp>
+      </p:grpSp>
+      <p:grpSp>
+        <p:nvGrpSpPr>
+          <p:cNvPr id="27" name="Group 26">
+            <a:extLst>
+              <a:ext uri="{FF2B5EF4-FFF2-40B4-BE49-F238E27FC236}">
+                <a16:creationId xmlns:a16="http://schemas.microsoft.com/office/drawing/2014/main" id="{769207FA-7D0E-3D40-8797-8315C9B4DBFA}"/>
+              </a:ext>
+            </a:extLst>
+          </p:cNvPr>
+          <p:cNvGrpSpPr/>
+          <p:nvPr/>
+        </p:nvGrpSpPr>
+        <p:grpSpPr>
+          <a:xfrm>
+            <a:off x="0" y="3353744"/>
+            <a:ext cx="8846611" cy="1064692"/>
+            <a:chOff x="0" y="3353744"/>
+            <a:chExt cx="8846611" cy="1064692"/>
+          </a:xfrm>
+        </p:grpSpPr>
+        <p:grpSp>
+          <p:nvGrpSpPr>
+            <p:cNvPr id="7" name="Group 6"/>
+            <p:cNvGrpSpPr/>
+            <p:nvPr/>
+          </p:nvGrpSpPr>
+          <p:grpSpPr>
+            <a:xfrm>
+              <a:off x="0" y="4039543"/>
+              <a:ext cx="8846611" cy="378893"/>
+              <a:chOff x="0" y="4551909"/>
+              <a:chExt cx="8846611" cy="378893"/>
+            </a:xfrm>
+          </p:grpSpPr>
+          <p:sp>
+            <p:nvSpPr>
+              <p:cNvPr id="8" name="TextBox 7"/>
+              <p:cNvSpPr txBox="1"/>
+              <p:nvPr/>
+            </p:nvSpPr>
+            <p:spPr>
+              <a:xfrm>
+                <a:off x="0" y="4551909"/>
+                <a:ext cx="537565" cy="369332"/>
+              </a:xfrm>
+              <a:prstGeom prst="rect">
+                <a:avLst/>
+              </a:prstGeom>
+              <a:noFill/>
+            </p:spPr>
+            <p:txBody>
+              <a:bodyPr wrap="none" rtlCol="0">
+                <a:spAutoFit/>
+              </a:bodyPr>
+              <a:lstStyle/>
+              <a:p>
+                <a:r>
+                  <a:rPr lang="en-US" dirty="0"/>
+                  <a:t>0 </a:t>
+                </a:r>
+                <a:r>
+                  <a:rPr lang="en-US" sz="1200" dirty="0"/>
+                  <a:t>AD</a:t>
+                </a:r>
+              </a:p>
+            </p:txBody>
+          </p:sp>
+          <p:sp>
+            <p:nvSpPr>
+              <p:cNvPr id="9" name="TextBox 8"/>
+              <p:cNvSpPr txBox="1"/>
+              <p:nvPr/>
+            </p:nvSpPr>
+            <p:spPr>
+              <a:xfrm>
+                <a:off x="8075058" y="4551909"/>
+                <a:ext cx="771553" cy="369332"/>
+              </a:xfrm>
+              <a:prstGeom prst="rect">
+                <a:avLst/>
+              </a:prstGeom>
+              <a:noFill/>
+            </p:spPr>
+            <p:txBody>
+              <a:bodyPr wrap="none" rtlCol="0">
+                <a:spAutoFit/>
+              </a:bodyPr>
+              <a:lstStyle/>
+              <a:p>
+                <a:r>
+                  <a:rPr lang="en-US" dirty="0"/>
+                  <a:t>100 </a:t>
+                </a:r>
+                <a:r>
+                  <a:rPr lang="en-US" sz="1200" dirty="0"/>
+                  <a:t>AD</a:t>
+                </a:r>
+              </a:p>
+            </p:txBody>
+          </p:sp>
+          <p:sp>
+            <p:nvSpPr>
+              <p:cNvPr id="10" name="TextBox 9"/>
+              <p:cNvSpPr txBox="1"/>
+              <p:nvPr/>
+            </p:nvSpPr>
+            <p:spPr>
+              <a:xfrm>
+                <a:off x="4293817" y="4561470"/>
+                <a:ext cx="654559" cy="369332"/>
+              </a:xfrm>
+              <a:prstGeom prst="rect">
+                <a:avLst/>
+              </a:prstGeom>
+              <a:noFill/>
+            </p:spPr>
+            <p:txBody>
+              <a:bodyPr wrap="none" rtlCol="0">
+                <a:spAutoFit/>
+              </a:bodyPr>
+              <a:lstStyle/>
+              <a:p>
+                <a:r>
+                  <a:rPr lang="en-US" dirty="0"/>
+                  <a:t>50 </a:t>
+                </a:r>
+                <a:r>
+                  <a:rPr lang="en-US" sz="1200" dirty="0"/>
+                  <a:t>AD</a:t>
+                </a:r>
+              </a:p>
+            </p:txBody>
+          </p:sp>
+        </p:grpSp>
+        <p:cxnSp>
+          <p:nvCxnSpPr>
+            <p:cNvPr id="24" name="Straight Connector 23"/>
+            <p:cNvCxnSpPr/>
+            <p:nvPr/>
+          </p:nvCxnSpPr>
+          <p:spPr>
+            <a:xfrm>
+              <a:off x="71581" y="3353744"/>
+              <a:ext cx="8714896" cy="0"/>
+            </a:xfrm>
+            <a:prstGeom prst="line">
+              <a:avLst/>
+            </a:prstGeom>
+            <a:ln>
+              <a:solidFill>
+                <a:srgbClr val="D7D7D7"/>
+              </a:solidFill>
+            </a:ln>
+            <a:effectLst/>
+          </p:spPr>
+          <p:style>
+            <a:lnRef idx="2">
+              <a:schemeClr val="accent1"/>
+            </a:lnRef>
+            <a:fillRef idx="0">
+              <a:schemeClr val="accent1"/>
+            </a:fillRef>
+            <a:effectRef idx="1">
+              <a:schemeClr val="accent1"/>
+            </a:effectRef>
+            <a:fontRef idx="minor">
+              <a:schemeClr val="tx1"/>
+            </a:fontRef>
+          </p:style>
+        </p:cxnSp>
+      </p:grpSp>
+    </p:spTree>
+    <p:extLst>
+      <p:ext uri="{BB962C8B-B14F-4D97-AF65-F5344CB8AC3E}">
+        <p14:creationId xmlns:p14="http://schemas.microsoft.com/office/powerpoint/2010/main" val="3479269543"/>
+      </p:ext>
+    </p:extLst>
+  </p:cSld>
+  <p:clrMapOvr>
+    <a:masterClrMapping/>
+  </p:clrMapOvr>
+  <p:timing>
+    <p:tnLst>
+      <p:par>
+        <p:cTn id="1" dur="indefinite" restart="never" nodeType="tmRoot">
+          <p:childTnLst>
+            <p:seq concurrent="1" nextAc="seek">
+              <p:cTn id="2" dur="indefinite" nodeType="mainSeq">
+                <p:childTnLst>
+                  <p:par>
+                    <p:cTn id="3" fill="hold">
+                      <p:stCondLst>
+                        <p:cond delay="indefinite"/>
+                      </p:stCondLst>
+                      <p:childTnLst>
+                        <p:par>
+                          <p:cTn id="4" fill="hold">
+                            <p:stCondLst>
+                              <p:cond delay="0"/>
+                            </p:stCondLst>
+                            <p:childTnLst>
+                              <p:par>
+                                <p:cTn id="5" presetID="10" presetClass="entr" presetSubtype="0" fill="hold" nodeType="clickEffect">
+                                  <p:stCondLst>
+                                    <p:cond delay="0"/>
+                                  </p:stCondLst>
+                                  <p:childTnLst>
+                                    <p:set>
+                                      <p:cBhvr>
+                                        <p:cTn id="6" dur="1" fill="hold">
+                                          <p:stCondLst>
+                                            <p:cond delay="0"/>
+                                          </p:stCondLst>
+                                        </p:cTn>
+                                        <p:tgtEl>
+                                          <p:spTgt spid="18"/>
+                                        </p:tgtEl>
+                                        <p:attrNameLst>
+                                          <p:attrName>style.visibility</p:attrName>
+                                        </p:attrNameLst>
+                                      </p:cBhvr>
+                                      <p:to>
+                                        <p:strVal val="visible"/>
+                                      </p:to>
+                                    </p:set>
+                                    <p:animEffect transition="in" filter="fade">
+                                      <p:cBhvr>
+                                        <p:cTn id="7" dur="250"/>
+                                        <p:tgtEl>
+                                          <p:spTgt spid="18"/>
+                                        </p:tgtEl>
+                                      </p:cBhvr>
+                                    </p:animEffect>
+                                  </p:childTnLst>
+                                </p:cTn>
+                              </p:par>
+                            </p:childTnLst>
+                          </p:cTn>
+                        </p:par>
+                      </p:childTnLst>
+                    </p:cTn>
+                  </p:par>
+                  <p:par>
+                    <p:cTn id="8" fill="hold">
+                      <p:stCondLst>
+                        <p:cond delay="indefinite"/>
+                      </p:stCondLst>
+                      <p:childTnLst>
+                        <p:par>
+                          <p:cTn id="9" fill="hold">
+                            <p:stCondLst>
+                              <p:cond delay="0"/>
+                            </p:stCondLst>
+                            <p:childTnLst>
+                              <p:par>
+                                <p:cTn id="10" presetID="10" presetClass="entr" presetSubtype="0" fill="hold" nodeType="clickEffect">
+                                  <p:stCondLst>
+                                    <p:cond delay="0"/>
+                                  </p:stCondLst>
+                                  <p:childTnLst>
+                                    <p:set>
+                                      <p:cBhvr>
+                                        <p:cTn id="11" dur="1" fill="hold">
+                                          <p:stCondLst>
+                                            <p:cond delay="0"/>
+                                          </p:stCondLst>
+                                        </p:cTn>
+                                        <p:tgtEl>
+                                          <p:spTgt spid="22"/>
+                                        </p:tgtEl>
+                                        <p:attrNameLst>
+                                          <p:attrName>style.visibility</p:attrName>
+                                        </p:attrNameLst>
+                                      </p:cBhvr>
+                                      <p:to>
+                                        <p:strVal val="visible"/>
+                                      </p:to>
+                                    </p:set>
+                                    <p:animEffect transition="in" filter="fade">
+                                      <p:cBhvr>
+                                        <p:cTn id="12" dur="250"/>
+                                        <p:tgtEl>
+                                          <p:spTgt spid="22"/>
+                                        </p:tgtEl>
+                                      </p:cBhvr>
+                                    </p:animEffect>
+                                  </p:childTnLst>
+                                </p:cTn>
+                              </p:par>
+                              <p:par>
+                                <p:cTn id="13" presetID="10" presetClass="entr" presetSubtype="0" fill="hold" nodeType="withEffect">
+                                  <p:stCondLst>
+                                    <p:cond delay="0"/>
+                                  </p:stCondLst>
+                                  <p:childTnLst>
+                                    <p:set>
+                                      <p:cBhvr>
+                                        <p:cTn id="14" dur="1" fill="hold">
+                                          <p:stCondLst>
+                                            <p:cond delay="0"/>
+                                          </p:stCondLst>
+                                        </p:cTn>
+                                        <p:tgtEl>
+                                          <p:spTgt spid="2"/>
+                                        </p:tgtEl>
+                                        <p:attrNameLst>
+                                          <p:attrName>style.visibility</p:attrName>
+                                        </p:attrNameLst>
+                                      </p:cBhvr>
+                                      <p:to>
+                                        <p:strVal val="visible"/>
+                                      </p:to>
+                                    </p:set>
+                                    <p:animEffect transition="in" filter="fade">
+                                      <p:cBhvr>
+                                        <p:cTn id="15" dur="250"/>
+                                        <p:tgtEl>
+                                          <p:spTgt spid="2"/>
+                                        </p:tgtEl>
+                                      </p:cBhvr>
+                                    </p:animEffect>
+                                  </p:childTnLst>
+                                </p:cTn>
+                              </p:par>
+                            </p:childTnLst>
+                          </p:cTn>
+                        </p:par>
+                      </p:childTnLst>
+                    </p:cTn>
+                  </p:par>
+                  <p:par>
+                    <p:cTn id="16" fill="hold">
+                      <p:stCondLst>
+                        <p:cond delay="indefinite"/>
+                      </p:stCondLst>
+                      <p:childTnLst>
+                        <p:par>
+                          <p:cTn id="17" fill="hold">
+                            <p:stCondLst>
+                              <p:cond delay="0"/>
+                            </p:stCondLst>
+                            <p:childTnLst>
+                              <p:par>
+                                <p:cTn id="18" presetID="10" presetClass="entr" presetSubtype="0" fill="hold" nodeType="clickEffect">
+                                  <p:stCondLst>
+                                    <p:cond delay="0"/>
+                                  </p:stCondLst>
+                                  <p:childTnLst>
+                                    <p:set>
+                                      <p:cBhvr>
+                                        <p:cTn id="19" dur="1" fill="hold">
+                                          <p:stCondLst>
+                                            <p:cond delay="0"/>
+                                          </p:stCondLst>
+                                        </p:cTn>
+                                        <p:tgtEl>
+                                          <p:spTgt spid="28"/>
+                                        </p:tgtEl>
+                                        <p:attrNameLst>
+                                          <p:attrName>style.visibility</p:attrName>
+                                        </p:attrNameLst>
+                                      </p:cBhvr>
+                                      <p:to>
+                                        <p:strVal val="visible"/>
+                                      </p:to>
+                                    </p:set>
+                                    <p:animEffect transition="in" filter="fade">
+                                      <p:cBhvr>
+                                        <p:cTn id="20" dur="250"/>
+                                        <p:tgtEl>
+                                          <p:spTgt spid="28"/>
+                                        </p:tgtEl>
+                                      </p:cBhvr>
+                                    </p:animEffect>
+                                  </p:childTnLst>
+                                </p:cTn>
+                              </p:par>
+                            </p:childTnLst>
+                          </p:cTn>
+                        </p:par>
+                      </p:childTnLst>
+                    </p:cTn>
+                  </p:par>
+                  <p:par>
+                    <p:cTn id="21" fill="hold">
+                      <p:stCondLst>
+                        <p:cond delay="indefinite"/>
+                      </p:stCondLst>
+                      <p:childTnLst>
+                        <p:par>
+                          <p:cTn id="22" fill="hold">
+                            <p:stCondLst>
+                              <p:cond delay="0"/>
+                            </p:stCondLst>
+                            <p:childTnLst>
+                              <p:par>
+                                <p:cTn id="23" presetID="10" presetClass="entr" presetSubtype="0" fill="hold" nodeType="clickEffect">
+                                  <p:stCondLst>
+                                    <p:cond delay="0"/>
+                                  </p:stCondLst>
+                                  <p:childTnLst>
+                                    <p:set>
+                                      <p:cBhvr>
+                                        <p:cTn id="24" dur="1" fill="hold">
+                                          <p:stCondLst>
+                                            <p:cond delay="0"/>
+                                          </p:stCondLst>
+                                        </p:cTn>
+                                        <p:tgtEl>
+                                          <p:spTgt spid="25"/>
+                                        </p:tgtEl>
+                                        <p:attrNameLst>
+                                          <p:attrName>style.visibility</p:attrName>
+                                        </p:attrNameLst>
+                                      </p:cBhvr>
+                                      <p:to>
+                                        <p:strVal val="visible"/>
+                                      </p:to>
+                                    </p:set>
+                                    <p:animEffect transition="in" filter="fade">
+                                      <p:cBhvr>
+                                        <p:cTn id="25" dur="250"/>
+                                        <p:tgtEl>
+                                          <p:spTgt spid="25"/>
+                                        </p:tgtEl>
+                                      </p:cBhvr>
+                                    </p:animEffect>
+                                  </p:childTnLst>
+                                </p:cTn>
+                              </p:par>
+                            </p:childTnLst>
+                          </p:cTn>
+                        </p:par>
+                      </p:childTnLst>
+                    </p:cTn>
+                  </p:par>
+                  <p:par>
+                    <p:cTn id="26" fill="hold">
+                      <p:stCondLst>
+                        <p:cond delay="indefinite"/>
+                      </p:stCondLst>
+                      <p:childTnLst>
+                        <p:par>
+                          <p:cTn id="27" fill="hold">
+                            <p:stCondLst>
+                              <p:cond delay="0"/>
+                            </p:stCondLst>
+                            <p:childTnLst>
+                              <p:par>
+                                <p:cTn id="28" presetID="10" presetClass="entr" presetSubtype="0" fill="hold" nodeType="clickEffect">
+                                  <p:stCondLst>
+                                    <p:cond delay="0"/>
+                                  </p:stCondLst>
+                                  <p:childTnLst>
+                                    <p:set>
+                                      <p:cBhvr>
+                                        <p:cTn id="29" dur="1" fill="hold">
+                                          <p:stCondLst>
+                                            <p:cond delay="0"/>
+                                          </p:stCondLst>
+                                        </p:cTn>
+                                        <p:tgtEl>
+                                          <p:spTgt spid="19"/>
+                                        </p:tgtEl>
+                                        <p:attrNameLst>
+                                          <p:attrName>style.visibility</p:attrName>
+                                        </p:attrNameLst>
+                                      </p:cBhvr>
+                                      <p:to>
+                                        <p:strVal val="visible"/>
+                                      </p:to>
+                                    </p:set>
+                                    <p:animEffect transition="in" filter="fade">
+                                      <p:cBhvr>
+                                        <p:cTn id="30" dur="250"/>
+                                        <p:tgtEl>
+                                          <p:spTgt spid="19"/>
+                                        </p:tgtEl>
+                                      </p:cBhvr>
+                                    </p:animEffect>
+                                  </p:childTnLst>
+                                </p:cTn>
+                              </p:par>
+                            </p:childTnLst>
+                          </p:cTn>
+                        </p:par>
+                      </p:childTnLst>
+                    </p:cTn>
+                  </p:par>
+                  <p:par>
+                    <p:cTn id="31" fill="hold">
+                      <p:stCondLst>
+                        <p:cond delay="indefinite"/>
+                      </p:stCondLst>
+                      <p:childTnLst>
+                        <p:par>
+                          <p:cTn id="32" fill="hold">
+                            <p:stCondLst>
+                              <p:cond delay="0"/>
+                            </p:stCondLst>
+                            <p:childTnLst>
+                              <p:par>
+                                <p:cTn id="33" presetID="10" presetClass="entr" presetSubtype="0" fill="hold" nodeType="clickEffect">
+                                  <p:stCondLst>
+                                    <p:cond delay="0"/>
+                                  </p:stCondLst>
+                                  <p:childTnLst>
+                                    <p:set>
+                                      <p:cBhvr>
+                                        <p:cTn id="34" dur="1" fill="hold">
+                                          <p:stCondLst>
+                                            <p:cond delay="0"/>
+                                          </p:stCondLst>
+                                        </p:cTn>
+                                        <p:tgtEl>
+                                          <p:spTgt spid="26"/>
+                                        </p:tgtEl>
+                                        <p:attrNameLst>
+                                          <p:attrName>style.visibility</p:attrName>
+                                        </p:attrNameLst>
+                                      </p:cBhvr>
+                                      <p:to>
+                                        <p:strVal val="visible"/>
+                                      </p:to>
+                                    </p:set>
+                                    <p:animEffect transition="in" filter="fade">
+                                      <p:cBhvr>
+                                        <p:cTn id="35" dur="250"/>
+                                        <p:tgtEl>
+                                          <p:spTgt spid="26"/>
+                                        </p:tgtEl>
+                                      </p:cBhvr>
+                                    </p:animEffect>
+                                  </p:childTnLst>
+                                </p:cTn>
+                              </p:par>
+                            </p:childTnLst>
+                          </p:cTn>
+                        </p:par>
+                      </p:childTnLst>
+                    </p:cTn>
+                  </p:par>
+                </p:childTnLst>
+              </p:cTn>
+              <p:prevCondLst>
+                <p:cond evt="onPrev" delay="0">
+                  <p:tgtEl>
+                    <p:sldTgt/>
+                  </p:tgtEl>
+                </p:cond>
+              </p:prevCondLst>
+              <p:nextCondLst>
+                <p:cond evt="onNext" delay="0">
+                  <p:tgtEl>
+                    <p:sldTgt/>
+                  </p:tgtEl>
+                </p:cond>
+              </p:nextCondLst>
+            </p:seq>
+          </p:childTnLst>
+        </p:cTn>
+      </p:par>
+    </p:tnLst>
+  </p:timing>
+</p:sld>
+</file>
+
+<file path=ppt/slides/slide3.xml><?xml version="1.0" encoding="utf-8"?>
+<p:sld xmlns:a="http://schemas.openxmlformats.org/drawingml/2006/main" xmlns:r="http://schemas.openxmlformats.org/officeDocument/2006/relationships" xmlns:p="http://schemas.openxmlformats.org/presentationml/2006/main">
+  <p:cSld>
+    <p:spTree>
+      <p:nvGrpSpPr>
+        <p:cNvPr id="1" name=""/>
+        <p:cNvGrpSpPr/>
+        <p:nvPr/>
+      </p:nvGrpSpPr>
+      <p:grpSpPr>
+        <a:xfrm>
+          <a:off x="0" y="0"/>
+          <a:ext cx="0" cy="0"/>
+          <a:chOff x="0" y="0"/>
+          <a:chExt cx="0" cy="0"/>
+        </a:xfrm>
+      </p:grpSpPr>
+      <p:sp>
+        <p:nvSpPr>
+          <p:cNvPr id="2" name="Title 1">
+            <a:extLst>
+              <a:ext uri="{FF2B5EF4-FFF2-40B4-BE49-F238E27FC236}">
+                <a16:creationId xmlns:a16="http://schemas.microsoft.com/office/drawing/2014/main" id="{9886A295-F8D0-2E42-9AC4-C6D6F23A90FE}"/>
+              </a:ext>
+            </a:extLst>
+          </p:cNvPr>
+          <p:cNvSpPr>
+            <a:spLocks noGrp="1"/>
+          </p:cNvSpPr>
+          <p:nvPr>
+            <p:ph type="title"/>
+          </p:nvPr>
+        </p:nvSpPr>
+        <p:spPr/>
+        <p:txBody>
+          <a:bodyPr/>
+          <a:lstStyle/>
+          <a:p>
+            <a:endParaRPr lang="en-US"/>
+          </a:p>
+        </p:txBody>
+      </p:sp>
+      <p:sp>
+        <p:nvSpPr>
+          <p:cNvPr id="3" name="Content Placeholder 2">
+            <a:extLst>
+              <a:ext uri="{FF2B5EF4-FFF2-40B4-BE49-F238E27FC236}">
+                <a16:creationId xmlns:a16="http://schemas.microsoft.com/office/drawing/2014/main" id="{F4D9DC92-4F7C-8448-B5BC-302A924B5C66}"/>
+              </a:ext>
+            </a:extLst>
+          </p:cNvPr>
+          <p:cNvSpPr>
+            <a:spLocks noGrp="1"/>
+          </p:cNvSpPr>
+          <p:nvPr>
+            <p:ph idx="1"/>
+          </p:nvPr>
+        </p:nvSpPr>
+        <p:spPr/>
+        <p:txBody>
+          <a:bodyPr/>
+          <a:lstStyle/>
+          <a:p>
+            <a:endParaRPr lang="en-US"/>
+          </a:p>
+        </p:txBody>
+      </p:sp>
+    </p:spTree>
+    <p:extLst>
+      <p:ext uri="{BB962C8B-B14F-4D97-AF65-F5344CB8AC3E}">
+        <p14:creationId xmlns:p14="http://schemas.microsoft.com/office/powerpoint/2010/main" val="3458384540"/>
+      </p:ext>
+    </p:extLst>
+  </p:cSld>
+  <p:clrMapOvr>
+    <a:masterClrMapping/>
+  </p:clrMapOvr>
+</p:sld>
+</file>
+
+<file path=ppt/slides/slide4.xml><?xml version="1.0" encoding="utf-8"?>
+<p:sld xmlns:a="http://schemas.openxmlformats.org/drawingml/2006/main" xmlns:r="http://schemas.openxmlformats.org/officeDocument/2006/relationships" xmlns:p="http://schemas.openxmlformats.org/presentationml/2006/main">
+  <p:cSld>
+    <p:spTree>
+      <p:nvGrpSpPr>
+        <p:cNvPr id="1" name=""/>
+        <p:cNvGrpSpPr/>
+        <p:nvPr/>
+      </p:nvGrpSpPr>
+      <p:grpSpPr>
+        <a:xfrm>
+          <a:off x="0" y="0"/>
+          <a:ext cx="0" cy="0"/>
+          <a:chOff x="0" y="0"/>
+          <a:chExt cx="0" cy="0"/>
+        </a:xfrm>
+      </p:grpSpPr>
+      <p:sp>
+        <p:nvSpPr>
+          <p:cNvPr id="2" name="Title 1">
+            <a:extLst>
+              <a:ext uri="{FF2B5EF4-FFF2-40B4-BE49-F238E27FC236}">
+                <a16:creationId xmlns:a16="http://schemas.microsoft.com/office/drawing/2014/main" id="{C8F392D1-A4F5-744A-9239-99BC6612F901}"/>
+              </a:ext>
+            </a:extLst>
+          </p:cNvPr>
+          <p:cNvSpPr>
+            <a:spLocks noGrp="1"/>
+          </p:cNvSpPr>
+          <p:nvPr>
+            <p:ph type="title"/>
+          </p:nvPr>
+        </p:nvSpPr>
+        <p:spPr>
+          <a:xfrm>
+            <a:off x="457200" y="152400"/>
+            <a:ext cx="8686800" cy="3962400"/>
+          </a:xfrm>
+        </p:spPr>
+        <p:txBody>
+          <a:bodyPr anchor="b" anchorCtr="0">
+            <a:normAutofit/>
+          </a:bodyPr>
+          <a:lstStyle/>
+          <a:p>
+            <a:pPr>
+              <a:tabLst>
+                <a:tab pos="91440" algn="l"/>
+              </a:tabLst>
+            </a:pPr>
+            <a:r>
+              <a:rPr lang="en-US" sz="4300" dirty="0"/>
+              <a:t>“</a:t>
+            </a:r>
+            <a:r>
+              <a:rPr lang="en-US" dirty="0"/>
+              <a:t>Remember that it is not memory for the central newsworthy event that constitutes a FB memory, but rather </a:t>
+            </a:r>
+            <a:r>
+              <a:rPr lang="en-US" b="1" dirty="0">
+                <a:highlight>
+                  <a:srgbClr val="C00002"/>
+                </a:highlight>
+              </a:rPr>
+              <a:t>memory for the circumstances in which one first heard the news</a:t>
+            </a:r>
+            <a:r>
+              <a:rPr lang="en-US" sz="4300" dirty="0"/>
+              <a:t>”</a:t>
+            </a:r>
+          </a:p>
+        </p:txBody>
+      </p:sp>
+      <p:sp>
+        <p:nvSpPr>
+          <p:cNvPr id="3" name="Text Placeholder 2">
+            <a:extLst>
+              <a:ext uri="{FF2B5EF4-FFF2-40B4-BE49-F238E27FC236}">
+                <a16:creationId xmlns:a16="http://schemas.microsoft.com/office/drawing/2014/main" id="{D79591E0-89A3-7048-B1C5-91B4FFFB65C9}"/>
+              </a:ext>
+            </a:extLst>
+          </p:cNvPr>
+          <p:cNvSpPr>
+            <a:spLocks noGrp="1"/>
+          </p:cNvSpPr>
+          <p:nvPr>
+            <p:ph type="body" sz="quarter" idx="13"/>
+          </p:nvPr>
+        </p:nvSpPr>
+        <p:spPr>
+          <a:xfrm>
+            <a:off x="114300" y="4495800"/>
+            <a:ext cx="8915400" cy="1371600"/>
+          </a:xfrm>
+        </p:spPr>
+        <p:txBody>
+          <a:bodyPr>
+            <a:normAutofit fontScale="77500" lnSpcReduction="20000"/>
+          </a:bodyPr>
+          <a:lstStyle/>
+          <a:p>
+            <a:pPr algn="l"/>
+            <a:r>
+              <a:rPr lang="en-US" sz="4400" cap="all" dirty="0">
+                <a:solidFill>
+                  <a:srgbClr val="009EC0"/>
+                </a:solidFill>
+              </a:rPr>
+              <a:t>BROWN &amp; KULIK</a:t>
+            </a:r>
+            <a:br>
+              <a:rPr lang="en-US" sz="4400" dirty="0">
+                <a:solidFill>
+                  <a:srgbClr val="009EC0"/>
+                </a:solidFill>
+              </a:rPr>
+            </a:br>
+            <a:r>
+              <a:rPr lang="en-US" sz="4400" b="0" i="1" dirty="0">
+                <a:solidFill>
+                  <a:srgbClr val="009EC0"/>
+                </a:solidFill>
+              </a:rPr>
+              <a:t>“Flashbulb Memories.” Cognition, vol. 5, no. 1, 1977, pp. 95</a:t>
+            </a:r>
+          </a:p>
+        </p:txBody>
+      </p:sp>
+    </p:spTree>
+    <p:extLst>
+      <p:ext uri="{BB962C8B-B14F-4D97-AF65-F5344CB8AC3E}">
+        <p14:creationId xmlns:p14="http://schemas.microsoft.com/office/powerpoint/2010/main" val="123015917"/>
+      </p:ext>
+    </p:extLst>
+  </p:cSld>
+  <p:clrMapOvr>
+    <a:masterClrMapping/>
+  </p:clrMapOvr>
+</p:sld>
+</file>
+
+<file path=ppt/slides/slide5.xml><?xml version="1.0" encoding="utf-8"?>
+<p:sld xmlns:a="http://schemas.openxmlformats.org/drawingml/2006/main" xmlns:r="http://schemas.openxmlformats.org/officeDocument/2006/relationships" xmlns:p="http://schemas.openxmlformats.org/presentationml/2006/main" show="0">
+  <p:cSld>
+    <p:spTree>
+      <p:nvGrpSpPr>
+        <p:cNvPr id="1" name=""/>
+        <p:cNvGrpSpPr/>
+        <p:nvPr/>
+      </p:nvGrpSpPr>
+      <p:grpSpPr>
+        <a:xfrm>
+          <a:off x="0" y="0"/>
+          <a:ext cx="0" cy="0"/>
+          <a:chOff x="0" y="0"/>
+          <a:chExt cx="0" cy="0"/>
+        </a:xfrm>
+      </p:grpSpPr>
+      <p:pic>
+        <p:nvPicPr>
+          <p:cNvPr id="12" name="Picture 2">
+            <a:extLst>
+              <a:ext uri="{FF2B5EF4-FFF2-40B4-BE49-F238E27FC236}">
+                <a16:creationId xmlns:a16="http://schemas.microsoft.com/office/drawing/2014/main" id="{7F3A231B-5D70-D046-B1D4-165C06312D6D}"/>
+              </a:ext>
+            </a:extLst>
+          </p:cNvPr>
+          <p:cNvPicPr>
+            <a:picLocks noChangeAspect="1" noChangeArrowheads="1"/>
+          </p:cNvPicPr>
+          <p:nvPr/>
+        </p:nvPicPr>
+        <p:blipFill>
+          <a:blip r:embed="rId2">
+            <a:extLst>
+              <a:ext uri="{28A0092B-C50C-407E-A947-70E740481C1C}">
+                <a14:useLocalDpi xmlns:a14="http://schemas.microsoft.com/office/drawing/2010/main" val="0"/>
+              </a:ext>
+            </a:extLst>
+          </a:blip>
+          <a:srcRect t="14838" b="14838"/>
+          <a:stretch/>
+        </p:blipFill>
+        <p:spPr bwMode="auto">
+          <a:xfrm>
+            <a:off x="2642616" y="10"/>
+            <a:ext cx="6501384" cy="6857990"/>
+          </a:xfrm>
+          <a:prstGeom prst="rect">
+            <a:avLst/>
+          </a:prstGeom>
+          <a:noFill/>
+          <a:extLst>
+            <a:ext uri="{909E8E84-426E-40DD-AFC4-6F175D3DCCD1}">
+              <a14:hiddenFill xmlns:a14="http://schemas.microsoft.com/office/drawing/2010/main">
+                <a:solidFill>
+                  <a:srgbClr val="FFFFFF"/>
+                </a:solidFill>
+              </a14:hiddenFill>
+            </a:ext>
+          </a:extLst>
+        </p:spPr>
+      </p:pic>
+      <p:sp>
+        <p:nvSpPr>
+          <p:cNvPr id="2" name="Rectangle 1">
+            <a:extLst>
+              <a:ext uri="{FF2B5EF4-FFF2-40B4-BE49-F238E27FC236}">
+                <a16:creationId xmlns:a16="http://schemas.microsoft.com/office/drawing/2014/main" id="{83930AA5-728D-884D-A826-4D923E871B31}"/>
+              </a:ext>
+            </a:extLst>
+          </p:cNvPr>
+          <p:cNvSpPr/>
+          <p:nvPr/>
+        </p:nvSpPr>
+        <p:spPr>
+          <a:xfrm>
+            <a:off x="0" y="0"/>
+            <a:ext cx="6019800" cy="6858000"/>
+          </a:xfrm>
+          <a:prstGeom prst="rect">
+            <a:avLst/>
+          </a:prstGeom>
+          <a:gradFill flip="none" rotWithShape="1">
+            <a:gsLst>
+              <a:gs pos="24000">
+                <a:srgbClr val="000000"/>
+              </a:gs>
+              <a:gs pos="50000">
+                <a:srgbClr val="000000"/>
+              </a:gs>
+              <a:gs pos="0">
+                <a:schemeClr val="bg1"/>
+              </a:gs>
+              <a:gs pos="100000">
+                <a:schemeClr val="bg1">
+                  <a:alpha val="0"/>
+                </a:schemeClr>
+              </a:gs>
+            </a:gsLst>
+            <a:lin ang="0" scaled="1"/>
+            <a:tileRect/>
+          </a:gradFill>
+          <a:ln>
+            <a:noFill/>
+          </a:ln>
+        </p:spPr>
+        <p:style>
+          <a:lnRef idx="2">
+            <a:schemeClr val="accent1">
+              <a:shade val="50000"/>
+            </a:schemeClr>
+          </a:lnRef>
+          <a:fillRef idx="1">
+            <a:schemeClr val="accent1"/>
+          </a:fillRef>
+          <a:effectRef idx="0">
+            <a:schemeClr val="accent1"/>
+          </a:effectRef>
+          <a:fontRef idx="minor">
+            <a:schemeClr val="lt1"/>
+          </a:fontRef>
+        </p:style>
+        <p:txBody>
+          <a:bodyPr rtlCol="0" anchor="ctr"/>
+          <a:lstStyle/>
+          <a:p>
+            <a:pPr algn="ctr"/>
+            <a:endParaRPr lang="en-US"/>
+          </a:p>
+        </p:txBody>
+      </p:sp>
+      <p:sp>
+        <p:nvSpPr>
+          <p:cNvPr id="5" name="Rectangle 4"/>
+          <p:cNvSpPr/>
+          <p:nvPr/>
+        </p:nvSpPr>
+        <p:spPr>
+          <a:xfrm>
+            <a:off x="381000" y="2819400"/>
+            <a:ext cx="4903487" cy="2246769"/>
+          </a:xfrm>
+          <a:prstGeom prst="rect">
+            <a:avLst/>
+          </a:prstGeom>
+          <a:noFill/>
+          <a:ln>
+            <a:noFill/>
+          </a:ln>
+          <a:effectLst/>
+        </p:spPr>
+        <p:style>
+          <a:lnRef idx="1">
+            <a:schemeClr val="accent1"/>
+          </a:lnRef>
+          <a:fillRef idx="3">
+            <a:schemeClr val="accent1"/>
+          </a:fillRef>
+          <a:effectRef idx="2">
+            <a:schemeClr val="accent1"/>
+          </a:effectRef>
+          <a:fontRef idx="minor">
+            <a:schemeClr val="lt1"/>
+          </a:fontRef>
+        </p:style>
+        <p:txBody>
+          <a:bodyPr rtlCol="0" anchor="ctr"/>
+          <a:lstStyle/>
+          <a:p>
+            <a:endParaRPr lang="en-US" dirty="0"/>
+          </a:p>
+        </p:txBody>
+      </p:sp>
+      <p:sp>
+        <p:nvSpPr>
+          <p:cNvPr id="7" name="Rectangle 6"/>
+          <p:cNvSpPr/>
+          <p:nvPr/>
+        </p:nvSpPr>
+        <p:spPr>
+          <a:xfrm rot="5400000">
+            <a:off x="2326988" y="2914599"/>
+            <a:ext cx="49492" cy="3669094"/>
+          </a:xfrm>
+          <a:prstGeom prst="rect">
+            <a:avLst/>
+          </a:prstGeom>
+          <a:solidFill>
+            <a:srgbClr val="009EC0"/>
+          </a:solidFill>
+          <a:ln>
+            <a:noFill/>
+          </a:ln>
+          <a:effectLst/>
+        </p:spPr>
+        <p:style>
+          <a:lnRef idx="1">
+            <a:schemeClr val="accent1"/>
+          </a:lnRef>
+          <a:fillRef idx="3">
+            <a:schemeClr val="accent1"/>
+          </a:fillRef>
+          <a:effectRef idx="2">
+            <a:schemeClr val="accent1"/>
+          </a:effectRef>
+          <a:fontRef idx="minor">
+            <a:schemeClr val="lt1"/>
+          </a:fontRef>
+        </p:style>
+        <p:txBody>
+          <a:bodyPr rtlCol="0" anchor="ctr"/>
+          <a:lstStyle/>
+          <a:p>
+            <a:pPr algn="ctr"/>
+            <a:endParaRPr lang="en-US"/>
+          </a:p>
+        </p:txBody>
+      </p:sp>
+      <p:sp>
+        <p:nvSpPr>
+          <p:cNvPr id="8" name="TextBox 7"/>
+          <p:cNvSpPr txBox="1"/>
+          <p:nvPr/>
+        </p:nvSpPr>
+        <p:spPr>
+          <a:xfrm>
+            <a:off x="439096" y="1382085"/>
+            <a:ext cx="3747185" cy="3170099"/>
+          </a:xfrm>
+          <a:prstGeom prst="rect">
+            <a:avLst/>
+          </a:prstGeom>
+          <a:noFill/>
+        </p:spPr>
+        <p:txBody>
+          <a:bodyPr wrap="square" rtlCol="0">
+            <a:spAutoFit/>
+          </a:bodyPr>
+          <a:lstStyle/>
+          <a:p>
+            <a:r>
+              <a:rPr lang="en-US" sz="2000" dirty="0"/>
+              <a:t>“God is dead. God remains dead. And we have killed him. How shall we comfort ourselves, the murderers of all murderers? </a:t>
+            </a:r>
+            <a:r>
+              <a:rPr lang="en-US" sz="2000" b="1" dirty="0">
+                <a:highlight>
+                  <a:srgbClr val="C00002"/>
+                </a:highlight>
+              </a:rPr>
+              <a:t>What was holiest and mightiest of all that the world has yet owned has bled to death under our knives: who will wipe this blood off us? </a:t>
+            </a:r>
+            <a:r>
+              <a:rPr lang="en-US" sz="2000" dirty="0"/>
+              <a:t>What water is there for us to clean ourselves?”</a:t>
+            </a:r>
+            <a:endParaRPr lang="en-US" sz="2000" dirty="0">
+              <a:latin typeface="Avenir Book"/>
+              <a:cs typeface="Avenir Book"/>
+            </a:endParaRPr>
+          </a:p>
+        </p:txBody>
+      </p:sp>
+      <p:sp>
+        <p:nvSpPr>
+          <p:cNvPr id="10" name="Rectangle 9"/>
+          <p:cNvSpPr/>
+          <p:nvPr/>
+        </p:nvSpPr>
+        <p:spPr>
+          <a:xfrm>
+            <a:off x="356243" y="5045093"/>
+            <a:ext cx="4952999" cy="1458391"/>
+          </a:xfrm>
+          <a:prstGeom prst="rect">
+            <a:avLst/>
+          </a:prstGeom>
+          <a:noFill/>
+          <a:ln>
+            <a:noFill/>
+          </a:ln>
+        </p:spPr>
+        <p:style>
+          <a:lnRef idx="1">
+            <a:schemeClr val="accent1"/>
+          </a:lnRef>
+          <a:fillRef idx="3">
+            <a:schemeClr val="accent1"/>
+          </a:fillRef>
+          <a:effectRef idx="2">
+            <a:schemeClr val="accent1"/>
+          </a:effectRef>
+          <a:fontRef idx="minor">
+            <a:schemeClr val="lt1"/>
+          </a:fontRef>
+        </p:style>
+        <p:txBody>
+          <a:bodyPr lIns="164592" rtlCol="0" anchor="t"/>
+          <a:lstStyle/>
+          <a:p>
+            <a:r>
+              <a:rPr lang="en-US" sz="2000" b="1" dirty="0">
+                <a:solidFill>
+                  <a:schemeClr val="tx1"/>
+                </a:solidFill>
+              </a:rPr>
+              <a:t>ROBERT K. MCIVER</a:t>
+            </a:r>
+            <a:br>
+              <a:rPr lang="en-US" sz="2000" b="1" dirty="0">
+                <a:solidFill>
+                  <a:schemeClr val="tx1"/>
+                </a:solidFill>
+              </a:rPr>
+            </a:br>
+            <a:r>
+              <a:rPr lang="en-US" sz="2000" i="1" dirty="0">
+                <a:solidFill>
+                  <a:schemeClr val="tx1"/>
+                </a:solidFill>
+              </a:rPr>
+              <a:t>Memory, Jesus, and the Synoptic Gospels (page )</a:t>
+            </a:r>
+          </a:p>
+        </p:txBody>
+      </p:sp>
+    </p:spTree>
+    <p:extLst>
+      <p:ext uri="{BB962C8B-B14F-4D97-AF65-F5344CB8AC3E}">
+        <p14:creationId xmlns:p14="http://schemas.microsoft.com/office/powerpoint/2010/main" val="1267835600"/>
+      </p:ext>
+    </p:extLst>
+  </p:cSld>
+  <p:clrMapOvr>
+    <a:masterClrMapping/>
+  </p:clrMapOvr>
+  <p:timing>
+    <p:tnLst>
+      <p:par>
+        <p:cTn id="1" dur="indefinite" restart="never" nodeType="tmRoot">
+          <p:childTnLst>
+            <p:seq concurrent="1" nextAc="seek">
+              <p:cTn id="2" dur="indefinite" nodeType="mainSeq">
+                <p:childTnLst>
+                  <p:par>
+                    <p:cTn id="3" fill="hold">
+                      <p:stCondLst>
+                        <p:cond delay="indefinite"/>
+                      </p:stCondLst>
+                      <p:childTnLst>
+                        <p:par>
+                          <p:cTn id="4" fill="hold">
+                            <p:stCondLst>
+                              <p:cond delay="0"/>
+                            </p:stCondLst>
+                            <p:childTnLst>
+                              <p:par>
+                                <p:cTn id="5" presetID="1" presetClass="entr" presetSubtype="0" fill="hold" grpId="0" nodeType="clickEffect">
+                                  <p:stCondLst>
+                                    <p:cond delay="0"/>
+                                  </p:stCondLst>
+                                  <p:childTnLst>
+                                    <p:set>
+                                      <p:cBhvr>
+                                        <p:cTn id="6" dur="1" fill="hold">
+                                          <p:stCondLst>
+                                            <p:cond delay="0"/>
+                                          </p:stCondLst>
+                                        </p:cTn>
+                                        <p:tgtEl>
+                                          <p:spTgt spid="2"/>
+                                        </p:tgtEl>
+                                        <p:attrNameLst>
+                                          <p:attrName>style.visibility</p:attrName>
+                                        </p:attrNameLst>
+                                      </p:cBhvr>
+                                      <p:to>
+                                        <p:strVal val="visible"/>
+                                      </p:to>
+                                    </p:set>
+                                  </p:childTnLst>
+                                </p:cTn>
+                              </p:par>
+                            </p:childTnLst>
+                          </p:cTn>
+                        </p:par>
+                        <p:par>
+                          <p:cTn id="7" fill="hold">
+                            <p:stCondLst>
+                              <p:cond delay="0"/>
+                            </p:stCondLst>
+                            <p:childTnLst>
+                              <p:par>
+                                <p:cTn id="8" presetID="10" presetClass="entr" presetSubtype="0" fill="hold" nodeType="afterEffect">
+                                  <p:stCondLst>
+                                    <p:cond delay="0"/>
+                                  </p:stCondLst>
+                                  <p:childTnLst>
+                                    <p:set>
+                                      <p:cBhvr>
+                                        <p:cTn id="9" dur="1" fill="hold">
+                                          <p:stCondLst>
+                                            <p:cond delay="0"/>
+                                          </p:stCondLst>
+                                        </p:cTn>
+                                        <p:tgtEl>
+                                          <p:spTgt spid="12"/>
+                                        </p:tgtEl>
+                                        <p:attrNameLst>
+                                          <p:attrName>style.visibility</p:attrName>
+                                        </p:attrNameLst>
+                                      </p:cBhvr>
+                                      <p:to>
+                                        <p:strVal val="visible"/>
+                                      </p:to>
+                                    </p:set>
+                                    <p:animEffect transition="in" filter="fade">
+                                      <p:cBhvr>
+                                        <p:cTn id="10" dur="250"/>
+                                        <p:tgtEl>
+                                          <p:spTgt spid="12"/>
+                                        </p:tgtEl>
+                                      </p:cBhvr>
+                                    </p:animEffect>
+                                  </p:childTnLst>
+                                </p:cTn>
+                              </p:par>
+                            </p:childTnLst>
+                          </p:cTn>
+                        </p:par>
+                        <p:par>
+                          <p:cTn id="11" fill="hold">
+                            <p:stCondLst>
+                              <p:cond delay="250"/>
+                            </p:stCondLst>
+                            <p:childTnLst>
+                              <p:par>
+                                <p:cTn id="12" presetID="10" presetClass="entr" presetSubtype="0" fill="hold" grpId="0" nodeType="afterEffect">
+                                  <p:stCondLst>
+                                    <p:cond delay="500"/>
+                                  </p:stCondLst>
+                                  <p:childTnLst>
+                                    <p:set>
+                                      <p:cBhvr>
+                                        <p:cTn id="13" dur="1" fill="hold">
+                                          <p:stCondLst>
+                                            <p:cond delay="0"/>
+                                          </p:stCondLst>
+                                        </p:cTn>
+                                        <p:tgtEl>
+                                          <p:spTgt spid="7"/>
+                                        </p:tgtEl>
+                                        <p:attrNameLst>
+                                          <p:attrName>style.visibility</p:attrName>
+                                        </p:attrNameLst>
+                                      </p:cBhvr>
+                                      <p:to>
+                                        <p:strVal val="visible"/>
+                                      </p:to>
+                                    </p:set>
+                                    <p:animEffect transition="in" filter="fade">
+                                      <p:cBhvr>
+                                        <p:cTn id="14" dur="250"/>
+                                        <p:tgtEl>
+                                          <p:spTgt spid="7"/>
+                                        </p:tgtEl>
+                                      </p:cBhvr>
+                                    </p:animEffect>
+                                  </p:childTnLst>
+                                </p:cTn>
+                              </p:par>
+                              <p:par>
+                                <p:cTn id="15" presetID="1" presetClass="entr" presetSubtype="0" fill="hold" grpId="1" nodeType="withEffect" nodePh="1">
+                                  <p:stCondLst>
+                                    <p:cond delay="0"/>
+                                  </p:stCondLst>
+                                  <p:endCondLst>
+                                    <p:cond evt="begin" delay="0">
+                                      <p:tn val="15"/>
+                                    </p:cond>
+                                  </p:endCondLst>
+                                  <p:childTnLst>
+                                    <p:set>
+                                      <p:cBhvr>
+                                        <p:cTn id="16" dur="1" fill="hold">
+                                          <p:stCondLst>
+                                            <p:cond delay="0"/>
+                                          </p:stCondLst>
+                                        </p:cTn>
+                                        <p:tgtEl>
+                                          <p:spTgt spid="5"/>
+                                        </p:tgtEl>
+                                        <p:attrNameLst>
+                                          <p:attrName>style.visibility</p:attrName>
+                                        </p:attrNameLst>
+                                      </p:cBhvr>
+                                      <p:to>
+                                        <p:strVal val="visible"/>
+                                      </p:to>
+                                    </p:set>
+                                  </p:childTnLst>
+                                </p:cTn>
+                              </p:par>
+                            </p:childTnLst>
+                          </p:cTn>
+                        </p:par>
+                        <p:par>
+                          <p:cTn id="17" fill="hold">
+                            <p:stCondLst>
+                              <p:cond delay="1000"/>
+                            </p:stCondLst>
+                            <p:childTnLst>
+                              <p:par>
+                                <p:cTn id="18" presetID="0" presetClass="path" presetSubtype="0" accel="50000" decel="50000" fill="hold" grpId="0" nodeType="afterEffect" nodePh="1">
+                                  <p:stCondLst>
+                                    <p:cond delay="0"/>
+                                  </p:stCondLst>
+                                  <p:endCondLst>
+                                    <p:cond evt="begin" delay="0">
+                                      <p:tn val="18"/>
+                                    </p:cond>
+                                  </p:endCondLst>
+                                  <p:childTnLst>
+                                    <p:animMotion origin="layout" path="M 0.04236 -7.40741E-7 L -8.33333E-7 -7.40741E-7 " pathEditMode="relative" rAng="0" ptsTypes="AA">
+                                      <p:cBhvr>
+                                        <p:cTn id="19" dur="300" fill="hold"/>
+                                        <p:tgtEl>
+                                          <p:spTgt spid="5"/>
+                                        </p:tgtEl>
+                                        <p:attrNameLst>
+                                          <p:attrName>ppt_x</p:attrName>
+                                          <p:attrName>ppt_y</p:attrName>
+                                        </p:attrNameLst>
+                                      </p:cBhvr>
+                                      <p:rCtr x="-2118" y="0"/>
+                                    </p:animMotion>
+                                  </p:childTnLst>
+                                </p:cTn>
+                              </p:par>
+                            </p:childTnLst>
+                          </p:cTn>
+                        </p:par>
+                        <p:par>
+                          <p:cTn id="20" fill="hold">
+                            <p:stCondLst>
+                              <p:cond delay="1300"/>
+                            </p:stCondLst>
+                            <p:childTnLst>
+                              <p:par>
+                                <p:cTn id="21" presetID="10" presetClass="entr" presetSubtype="0" fill="hold" grpId="0" nodeType="afterEffect">
+                                  <p:stCondLst>
+                                    <p:cond delay="0"/>
+                                  </p:stCondLst>
+                                  <p:childTnLst>
+                                    <p:set>
+                                      <p:cBhvr>
+                                        <p:cTn id="22" dur="1" fill="hold">
+                                          <p:stCondLst>
+                                            <p:cond delay="0"/>
+                                          </p:stCondLst>
+                                        </p:cTn>
+                                        <p:tgtEl>
+                                          <p:spTgt spid="8"/>
+                                        </p:tgtEl>
+                                        <p:attrNameLst>
+                                          <p:attrName>style.visibility</p:attrName>
+                                        </p:attrNameLst>
+                                      </p:cBhvr>
+                                      <p:to>
+                                        <p:strVal val="visible"/>
+                                      </p:to>
+                                    </p:set>
+                                    <p:animEffect transition="in" filter="fade">
+                                      <p:cBhvr>
+                                        <p:cTn id="23" dur="300"/>
+                                        <p:tgtEl>
+                                          <p:spTgt spid="8"/>
+                                        </p:tgtEl>
+                                      </p:cBhvr>
+                                    </p:animEffect>
+                                  </p:childTnLst>
+                                </p:cTn>
+                              </p:par>
+                              <p:par>
+                                <p:cTn id="24" presetID="0" presetClass="path" presetSubtype="0" accel="50000" decel="50000" fill="hold" grpId="1" nodeType="withEffect">
+                                  <p:stCondLst>
+                                    <p:cond delay="0"/>
+                                  </p:stCondLst>
+                                  <p:childTnLst>
+                                    <p:animMotion origin="layout" path="M 1.94444E-6 0.0169 L 1.94444E-6 2.22222E-6 " pathEditMode="relative" rAng="0" ptsTypes="AA">
+                                      <p:cBhvr>
+                                        <p:cTn id="25" dur="200" fill="hold"/>
+                                        <p:tgtEl>
+                                          <p:spTgt spid="8"/>
+                                        </p:tgtEl>
+                                        <p:attrNameLst>
+                                          <p:attrName>ppt_x</p:attrName>
+                                          <p:attrName>ppt_y</p:attrName>
+                                        </p:attrNameLst>
+                                      </p:cBhvr>
+                                      <p:rCtr x="0" y="-856"/>
+                                    </p:animMotion>
+                                  </p:childTnLst>
+                                </p:cTn>
+                              </p:par>
+                            </p:childTnLst>
+                          </p:cTn>
+                        </p:par>
+                        <p:par>
+                          <p:cTn id="26" fill="hold">
+                            <p:stCondLst>
+                              <p:cond delay="1600"/>
+                            </p:stCondLst>
+                            <p:childTnLst>
+                              <p:par>
+                                <p:cTn id="27" presetID="10" presetClass="entr" presetSubtype="0" fill="hold" grpId="0" nodeType="afterEffect">
+                                  <p:stCondLst>
+                                    <p:cond delay="0"/>
+                                  </p:stCondLst>
+                                  <p:childTnLst>
+                                    <p:set>
+                                      <p:cBhvr>
+                                        <p:cTn id="28" dur="1" fill="hold">
+                                          <p:stCondLst>
+                                            <p:cond delay="0"/>
+                                          </p:stCondLst>
+                                        </p:cTn>
+                                        <p:tgtEl>
+                                          <p:spTgt spid="10"/>
+                                        </p:tgtEl>
+                                        <p:attrNameLst>
+                                          <p:attrName>style.visibility</p:attrName>
+                                        </p:attrNameLst>
+                                      </p:cBhvr>
+                                      <p:to>
+                                        <p:strVal val="visible"/>
+                                      </p:to>
+                                    </p:set>
+                                    <p:animEffect transition="in" filter="fade">
+                                      <p:cBhvr>
+                                        <p:cTn id="29" dur="200"/>
+                                        <p:tgtEl>
+                                          <p:spTgt spid="10"/>
+                                        </p:tgtEl>
+                                      </p:cBhvr>
+                                    </p:animEffect>
+                                  </p:childTnLst>
+                                </p:cTn>
+                              </p:par>
+                            </p:childTnLst>
+                          </p:cTn>
+                        </p:par>
+                      </p:childTnLst>
+                    </p:cTn>
+                  </p:par>
+                </p:childTnLst>
+              </p:cTn>
+              <p:prevCondLst>
+                <p:cond evt="onPrev" delay="0">
+                  <p:tgtEl>
+                    <p:sldTgt/>
+                  </p:tgtEl>
+                </p:cond>
+              </p:prevCondLst>
+              <p:nextCondLst>
+                <p:cond evt="onNext" delay="0">
+                  <p:tgtEl>
+                    <p:sldTgt/>
+                  </p:tgtEl>
+                </p:cond>
+              </p:nextCondLst>
+            </p:seq>
+          </p:childTnLst>
+        </p:cTn>
+      </p:par>
+    </p:tnLst>
+    <p:bldLst>
+      <p:bldP spid="2" grpId="0" animBg="1"/>
+      <p:bldP spid="5" grpId="0"/>
+      <p:bldP spid="5" grpId="1"/>
+      <p:bldP spid="7" grpId="0" animBg="1"/>
+      <p:bldP spid="8" grpId="0"/>
+      <p:bldP spid="8" grpId="1"/>
+      <p:bldP spid="10" grpId="0"/>
+    </p:bldLst>
+  </p:timing>
+</p:sld>
+</file>
+
+<file path=ppt/slides/slide6.xml><?xml version="1.0" encoding="utf-8"?>
+<p:sld xmlns:a="http://schemas.openxmlformats.org/drawingml/2006/main" xmlns:r="http://schemas.openxmlformats.org/officeDocument/2006/relationships" xmlns:p="http://schemas.openxmlformats.org/presentationml/2006/main">
+  <p:cSld>
+    <p:spTree>
+      <p:nvGrpSpPr>
+        <p:cNvPr id="1" name=""/>
+        <p:cNvGrpSpPr/>
+        <p:nvPr/>
+      </p:nvGrpSpPr>
+      <p:grpSpPr>
+        <a:xfrm>
+          <a:off x="0" y="0"/>
+          <a:ext cx="0" cy="0"/>
+          <a:chOff x="0" y="0"/>
+          <a:chExt cx="0" cy="0"/>
+        </a:xfrm>
+      </p:grpSpPr>
+    </p:spTree>
+    <p:extLst>
+      <p:ext uri="{BB962C8B-B14F-4D97-AF65-F5344CB8AC3E}">
+        <p14:creationId xmlns:p14="http://schemas.microsoft.com/office/powerpoint/2010/main" val="1506003335"/>
+      </p:ext>
+    </p:extLst>
+  </p:cSld>
+  <p:clrMapOvr>
+    <a:masterClrMapping/>
+  </p:clrMapOvr>
+</p:sld>
+</file>
+
+<file path=ppt/slides/slide7.xml><?xml version="1.0" encoding="utf-8"?>
+<p:sld xmlns:a="http://schemas.openxmlformats.org/drawingml/2006/main" xmlns:r="http://schemas.openxmlformats.org/officeDocument/2006/relationships" xmlns:p="http://schemas.openxmlformats.org/presentationml/2006/main">
+  <p:cSld>
+    <p:spTree>
+      <p:nvGrpSpPr>
+        <p:cNvPr id="1" name=""/>
+        <p:cNvGrpSpPr/>
+        <p:nvPr/>
+      </p:nvGrpSpPr>
+      <p:grpSpPr>
+        <a:xfrm>
+          <a:off x="0" y="0"/>
+          <a:ext cx="0" cy="0"/>
+          <a:chOff x="0" y="0"/>
+          <a:chExt cx="0" cy="0"/>
+        </a:xfrm>
+      </p:grpSpPr>
       <p:graphicFrame>
         <p:nvGraphicFramePr>
           <p:cNvPr id="4" name="Content Placeholder 3"/>
@@ -6009,7 +8980,7 @@
 </p:sld>
 </file>
 
-<file path=ppt/slides/slide3.xml><?xml version="1.0" encoding="utf-8"?>
+<file path=ppt/slides/slide8.xml><?xml version="1.0" encoding="utf-8"?>
 <p:sld xmlns:a="http://schemas.openxmlformats.org/drawingml/2006/main" xmlns:r="http://schemas.openxmlformats.org/officeDocument/2006/relationships" xmlns:p="http://schemas.openxmlformats.org/presentationml/2006/main">
   <p:cSld>
     <p:spTree>
@@ -6036,7 +9007,7 @@
             <p:ph idx="1"/>
             <p:extLst>
               <p:ext uri="{D42A27DB-BD31-4B8C-83A1-F6EECF244321}">
-                <p14:modId xmlns:p14="http://schemas.microsoft.com/office/powerpoint/2010/main" val="3145081615"/>
+                <p14:modId xmlns:p14="http://schemas.microsoft.com/office/powerpoint/2010/main" val="1809465632"/>
               </p:ext>
             </p:extLst>
           </p:nvPr>
@@ -6130,7 +9101,7 @@
         </p:nvSpPr>
         <p:spPr>
           <a:xfrm>
-            <a:off x="609600" y="1886869"/>
+            <a:off x="595184" y="1571546"/>
             <a:ext cx="8458200" cy="428666"/>
           </a:xfrm>
           <a:prstGeom prst="rect">
@@ -6182,7 +9153,7 @@
         </p:nvSpPr>
         <p:spPr>
           <a:xfrm>
-            <a:off x="457200" y="2291622"/>
+            <a:off x="609600" y="1992557"/>
             <a:ext cx="8458200" cy="403324"/>
           </a:xfrm>
           <a:prstGeom prst="rect">
@@ -6234,7 +9205,7 @@
         </p:nvSpPr>
         <p:spPr>
           <a:xfrm>
-            <a:off x="457200" y="2689879"/>
+            <a:off x="533400" y="2397992"/>
             <a:ext cx="8458200" cy="385463"/>
           </a:xfrm>
           <a:prstGeom prst="rect">
@@ -6286,7 +9257,7 @@
         </p:nvSpPr>
         <p:spPr>
           <a:xfrm>
-            <a:off x="457200" y="3072732"/>
+            <a:off x="481914" y="2778881"/>
             <a:ext cx="8458200" cy="444990"/>
           </a:xfrm>
           <a:prstGeom prst="rect">
@@ -6329,6 +9300,44 @@
       </p:sp>
       <p:sp>
         <p:nvSpPr>
+          <p:cNvPr id="5" name="TextBox 4">
+            <a:extLst>
+              <a:ext uri="{FF2B5EF4-FFF2-40B4-BE49-F238E27FC236}">
+                <a16:creationId xmlns:a16="http://schemas.microsoft.com/office/drawing/2014/main" id="{CA768AF3-96B1-6040-A8FB-C94FE3DD5DF0}"/>
+              </a:ext>
+            </a:extLst>
+          </p:cNvPr>
+          <p:cNvSpPr txBox="1"/>
+          <p:nvPr/>
+        </p:nvSpPr>
+        <p:spPr>
+          <a:xfrm>
+            <a:off x="4572000" y="3195534"/>
+            <a:ext cx="3481780" cy="600164"/>
+          </a:xfrm>
+          <a:prstGeom prst="rect">
+            <a:avLst/>
+          </a:prstGeom>
+          <a:noFill/>
+        </p:spPr>
+        <p:txBody>
+          <a:bodyPr wrap="square" rtlCol="0" anchor="ctr">
+            <a:spAutoFit/>
+          </a:bodyPr>
+          <a:lstStyle/>
+          <a:p>
+            <a:r>
+              <a:rPr lang="en-US" sz="1100" dirty="0"/>
+              <a:t>1 Corinthians was written in 53-57 AD and Jesus died around 33 AD (roughly 20-25 years later)</a:t>
+            </a:r>
+          </a:p>
+          <a:p>
+            <a:endParaRPr lang="en-US" sz="1100" dirty="0"/>
+          </a:p>
+        </p:txBody>
+      </p:sp>
+      <p:sp>
+        <p:nvSpPr>
           <p:cNvPr id="12" name="Rectangle 11">
             <a:extLst>
               <a:ext uri="{FF2B5EF4-FFF2-40B4-BE49-F238E27FC236}">
@@ -6341,8 +9350,8 @@
         </p:nvSpPr>
         <p:spPr>
           <a:xfrm>
-            <a:off x="457200" y="3504515"/>
-            <a:ext cx="8458200" cy="385463"/>
+            <a:off x="507657" y="3174611"/>
+            <a:ext cx="8458200" cy="459519"/>
           </a:xfrm>
           <a:prstGeom prst="rect">
             <a:avLst/>
@@ -6393,8 +9402,8 @@
         </p:nvSpPr>
         <p:spPr>
           <a:xfrm>
-            <a:off x="457200" y="3889978"/>
-            <a:ext cx="8525540" cy="2663222"/>
+            <a:off x="423841" y="3634130"/>
+            <a:ext cx="8525540" cy="2735355"/>
           </a:xfrm>
           <a:prstGeom prst="rect">
             <a:avLst/>
@@ -6428,44 +9437,6 @@
           <a:p>
             <a:pPr algn="ctr"/>
             <a:endParaRPr lang="en-US"/>
-          </a:p>
-        </p:txBody>
-      </p:sp>
-      <p:sp>
-        <p:nvSpPr>
-          <p:cNvPr id="5" name="TextBox 4">
-            <a:extLst>
-              <a:ext uri="{FF2B5EF4-FFF2-40B4-BE49-F238E27FC236}">
-                <a16:creationId xmlns:a16="http://schemas.microsoft.com/office/drawing/2014/main" id="{CA768AF3-96B1-6040-A8FB-C94FE3DD5DF0}"/>
-              </a:ext>
-            </a:extLst>
-          </p:cNvPr>
-          <p:cNvSpPr txBox="1"/>
-          <p:nvPr/>
-        </p:nvSpPr>
-        <p:spPr>
-          <a:xfrm>
-            <a:off x="3962400" y="3589896"/>
-            <a:ext cx="3481780" cy="600164"/>
-          </a:xfrm>
-          <a:prstGeom prst="rect">
-            <a:avLst/>
-          </a:prstGeom>
-          <a:noFill/>
-        </p:spPr>
-        <p:txBody>
-          <a:bodyPr wrap="square" rtlCol="0" anchor="ctr">
-            <a:spAutoFit/>
-          </a:bodyPr>
-          <a:lstStyle/>
-          <a:p>
-            <a:r>
-              <a:rPr lang="en-US" sz="1100" dirty="0"/>
-              <a:t>1 Corinthians was written in 53-57 AD and Jesus died around 33 AD (roughly 25 years later)</a:t>
-            </a:r>
-          </a:p>
-          <a:p>
-            <a:endParaRPr lang="en-US" sz="1100" dirty="0"/>
           </a:p>
         </p:txBody>
       </p:sp>
@@ -7178,9 +10149,9 @@
       <p:bldP spid="8" grpId="0" animBg="1"/>
       <p:bldP spid="10" grpId="0" animBg="1"/>
       <p:bldP spid="11" grpId="0" animBg="1"/>
+      <p:bldP spid="5" grpId="0"/>
       <p:bldP spid="12" grpId="0" animBg="1"/>
       <p:bldP spid="15" grpId="0" animBg="1"/>
-      <p:bldP spid="5" grpId="0"/>
       <p:bldP spid="13" grpId="0"/>
     </p:bldLst>
   </p:timing>

--- a/companion-website/public/files/6. Eyewitness Memory.pptx
+++ b/companion-website/public/files/6. Eyewitness Memory.pptx
@@ -5,17 +5,18 @@
     <p:sldMasterId id="2147483648" r:id="rId1"/>
   </p:sldMasterIdLst>
   <p:notesMasterIdLst>
-    <p:notesMasterId r:id="rId10"/>
+    <p:notesMasterId r:id="rId11"/>
   </p:notesMasterIdLst>
   <p:sldIdLst>
     <p:sldId id="275" r:id="rId2"/>
     <p:sldId id="277" r:id="rId3"/>
     <p:sldId id="437" r:id="rId4"/>
     <p:sldId id="445" r:id="rId5"/>
-    <p:sldId id="453" r:id="rId6"/>
-    <p:sldId id="454" r:id="rId7"/>
-    <p:sldId id="435" r:id="rId8"/>
-    <p:sldId id="436" r:id="rId9"/>
+    <p:sldId id="455" r:id="rId6"/>
+    <p:sldId id="453" r:id="rId7"/>
+    <p:sldId id="454" r:id="rId8"/>
+    <p:sldId id="435" r:id="rId9"/>
+    <p:sldId id="436" r:id="rId10"/>
   </p:sldIdLst>
   <p:sldSz cx="9144000" cy="6858000" type="screen4x3"/>
   <p:notesSz cx="6858000" cy="9144000"/>
@@ -134,6 +135,520 @@
 </file>
 
 <file path=ppt/charts/chart1.xml><?xml version="1.0" encoding="utf-8"?>
+<c:chartSpace xmlns:c="http://schemas.openxmlformats.org/drawingml/2006/chart" xmlns:a="http://schemas.openxmlformats.org/drawingml/2006/main" xmlns:r="http://schemas.openxmlformats.org/officeDocument/2006/relationships" xmlns:c16r2="http://schemas.microsoft.com/office/drawing/2015/06/chart">
+  <c:date1904 val="0"/>
+  <c:lang val="en-US"/>
+  <c:roundedCorners val="0"/>
+  <mc:AlternateContent xmlns:mc="http://schemas.openxmlformats.org/markup-compatibility/2006">
+    <mc:Choice xmlns:c14="http://schemas.microsoft.com/office/drawing/2007/8/2/chart" Requires="c14">
+      <c14:style val="110"/>
+    </mc:Choice>
+    <mc:Fallback>
+      <c:style val="10"/>
+    </mc:Fallback>
+  </mc:AlternateContent>
+  <c:clrMapOvr bg1="lt1" tx1="dk1" bg2="lt2" tx2="dk2" accent1="accent1" accent2="accent2" accent3="accent3" accent4="accent4" accent5="accent5" accent6="accent6" hlink="hlink" folHlink="folHlink"/>
+  <c:chart>
+    <c:autoTitleDeleted val="0"/>
+    <c:plotArea>
+      <c:layout/>
+      <c:barChart>
+        <c:barDir val="bar"/>
+        <c:grouping val="clustered"/>
+        <c:varyColors val="0"/>
+        <c:ser>
+          <c:idx val="0"/>
+          <c:order val="0"/>
+          <c:tx>
+            <c:strRef>
+              <c:f>Sheet1!$B$1</c:f>
+              <c:strCache>
+                <c:ptCount val="1"/>
+                <c:pt idx="0">
+                  <c:v>Taught</c:v>
+                </c:pt>
+              </c:strCache>
+            </c:strRef>
+          </c:tx>
+          <c:spPr>
+            <a:solidFill>
+              <a:srgbClr val="009EC0"/>
+            </a:solidFill>
+            <a:ln w="25400">
+              <a:noFill/>
+            </a:ln>
+          </c:spPr>
+          <c:invertIfNegative val="0"/>
+          <c:dPt>
+            <c:idx val="0"/>
+            <c:invertIfNegative val="0"/>
+            <c:bubble3D val="0"/>
+            <c:extLst>
+              <c:ext xmlns:c16="http://schemas.microsoft.com/office/drawing/2014/chart" uri="{C3380CC4-5D6E-409C-BE32-E72D297353CC}">
+                <c16:uniqueId val="{0000000A-1B33-5944-93E6-FAE2DF40E450}"/>
+              </c:ext>
+            </c:extLst>
+          </c:dPt>
+          <c:dPt>
+            <c:idx val="1"/>
+            <c:invertIfNegative val="0"/>
+            <c:bubble3D val="0"/>
+            <c:extLst>
+              <c:ext xmlns:c16="http://schemas.microsoft.com/office/drawing/2014/chart" uri="{C3380CC4-5D6E-409C-BE32-E72D297353CC}">
+                <c16:uniqueId val="{00000008-1B33-5944-93E6-FAE2DF40E450}"/>
+              </c:ext>
+            </c:extLst>
+          </c:dPt>
+          <c:dPt>
+            <c:idx val="2"/>
+            <c:invertIfNegative val="0"/>
+            <c:bubble3D val="0"/>
+            <c:extLst>
+              <c:ext xmlns:c16="http://schemas.microsoft.com/office/drawing/2014/chart" uri="{C3380CC4-5D6E-409C-BE32-E72D297353CC}">
+                <c16:uniqueId val="{00000006-1B33-5944-93E6-FAE2DF40E450}"/>
+              </c:ext>
+            </c:extLst>
+          </c:dPt>
+          <c:dLbls>
+            <c:spPr>
+              <a:noFill/>
+              <a:ln>
+                <a:noFill/>
+              </a:ln>
+              <a:effectLst/>
+            </c:spPr>
+            <c:txPr>
+              <a:bodyPr/>
+              <a:lstStyle/>
+              <a:p>
+                <a:pPr>
+                  <a:defRPr b="1">
+                    <a:solidFill>
+                      <a:schemeClr val="bg1"/>
+                    </a:solidFill>
+                  </a:defRPr>
+                </a:pPr>
+                <a:endParaRPr lang="en-US"/>
+              </a:p>
+            </c:txPr>
+            <c:dLblPos val="inEnd"/>
+            <c:showLegendKey val="0"/>
+            <c:showVal val="1"/>
+            <c:showCatName val="0"/>
+            <c:showSerName val="0"/>
+            <c:showPercent val="0"/>
+            <c:showBubbleSize val="0"/>
+            <c:showLeaderLines val="0"/>
+            <c:extLst>
+              <c:ext xmlns:c15="http://schemas.microsoft.com/office/drawing/2012/chart" uri="{CE6537A1-D6FC-4f65-9D91-7224C49458BB}">
+                <c15:showLeaderLines val="0"/>
+              </c:ext>
+            </c:extLst>
+          </c:dLbls>
+          <c:cat>
+            <c:strRef>
+              <c:f>Sheet1!$A$2:$A$6</c:f>
+              <c:strCache>
+                <c:ptCount val="5"/>
+                <c:pt idx="0">
+                  <c:v>Weather for Invasion</c:v>
+                </c:pt>
+                <c:pt idx="1">
+                  <c:v>Weather for Liberation</c:v>
+                </c:pt>
+                <c:pt idx="2">
+                  <c:v>Day of Invasion</c:v>
+                </c:pt>
+                <c:pt idx="3">
+                  <c:v>Day of Liberation</c:v>
+                </c:pt>
+                <c:pt idx="4">
+                  <c:v>Time of Capitulation</c:v>
+                </c:pt>
+              </c:strCache>
+            </c:strRef>
+          </c:cat>
+          <c:val>
+            <c:numRef>
+              <c:f>Sheet1!$B$2:$B$6</c:f>
+              <c:numCache>
+                <c:formatCode>0%</c:formatCode>
+                <c:ptCount val="5"/>
+                <c:pt idx="0">
+                  <c:v>0.155</c:v>
+                </c:pt>
+                <c:pt idx="1">
+                  <c:v>0.11</c:v>
+                </c:pt>
+                <c:pt idx="2">
+                  <c:v>0.08</c:v>
+                </c:pt>
+                <c:pt idx="3">
+                  <c:v>0.08</c:v>
+                </c:pt>
+                <c:pt idx="4">
+                  <c:v>0.11</c:v>
+                </c:pt>
+              </c:numCache>
+            </c:numRef>
+          </c:val>
+          <c:extLst>
+            <c:ext xmlns:c16="http://schemas.microsoft.com/office/drawing/2014/chart" uri="{C3380CC4-5D6E-409C-BE32-E72D297353CC}">
+              <c16:uniqueId val="{00000000-56D6-774A-AEC1-01E5BF60A988}"/>
+            </c:ext>
+          </c:extLst>
+        </c:ser>
+        <c:ser>
+          <c:idx val="1"/>
+          <c:order val="1"/>
+          <c:tx>
+            <c:strRef>
+              <c:f>Sheet1!$C$1</c:f>
+              <c:strCache>
+                <c:ptCount val="1"/>
+                <c:pt idx="0">
+                  <c:v>War</c:v>
+                </c:pt>
+              </c:strCache>
+            </c:strRef>
+          </c:tx>
+          <c:spPr>
+            <a:solidFill>
+              <a:srgbClr val="CA5C0E"/>
+            </a:solidFill>
+            <a:ln>
+              <a:noFill/>
+            </a:ln>
+          </c:spPr>
+          <c:invertIfNegative val="0"/>
+          <c:dPt>
+            <c:idx val="0"/>
+            <c:invertIfNegative val="0"/>
+            <c:bubble3D val="0"/>
+            <c:extLst>
+              <c:ext xmlns:c16="http://schemas.microsoft.com/office/drawing/2014/chart" uri="{C3380CC4-5D6E-409C-BE32-E72D297353CC}">
+                <c16:uniqueId val="{00000009-1B33-5944-93E6-FAE2DF40E450}"/>
+              </c:ext>
+            </c:extLst>
+          </c:dPt>
+          <c:dPt>
+            <c:idx val="1"/>
+            <c:invertIfNegative val="0"/>
+            <c:bubble3D val="0"/>
+            <c:extLst>
+              <c:ext xmlns:c16="http://schemas.microsoft.com/office/drawing/2014/chart" uri="{C3380CC4-5D6E-409C-BE32-E72D297353CC}">
+                <c16:uniqueId val="{00000007-1B33-5944-93E6-FAE2DF40E450}"/>
+              </c:ext>
+            </c:extLst>
+          </c:dPt>
+          <c:dPt>
+            <c:idx val="2"/>
+            <c:invertIfNegative val="0"/>
+            <c:bubble3D val="0"/>
+            <c:extLst>
+              <c:ext xmlns:c16="http://schemas.microsoft.com/office/drawing/2014/chart" uri="{C3380CC4-5D6E-409C-BE32-E72D297353CC}">
+                <c16:uniqueId val="{00000005-1B33-5944-93E6-FAE2DF40E450}"/>
+              </c:ext>
+            </c:extLst>
+          </c:dPt>
+          <c:dLbls>
+            <c:dLbl>
+              <c:idx val="1"/>
+              <c:tx>
+                <c:rich>
+                  <a:bodyPr/>
+                  <a:lstStyle/>
+                  <a:p>
+                    <a:fld id="{33DDEA5E-53BD-2241-8A3C-2C03F088DBCC}" type="VALUE">
+                      <a:rPr lang="en-US" b="1">
+                        <a:solidFill>
+                          <a:schemeClr val="bg1"/>
+                        </a:solidFill>
+                      </a:rPr>
+                      <a:pPr/>
+                      <a:t>[VALUE]</a:t>
+                    </a:fld>
+                    <a:endParaRPr lang="en-US"/>
+                  </a:p>
+                </c:rich>
+              </c:tx>
+              <c:dLblPos val="inEnd"/>
+              <c:showLegendKey val="0"/>
+              <c:showVal val="1"/>
+              <c:showCatName val="0"/>
+              <c:showSerName val="0"/>
+              <c:showPercent val="0"/>
+              <c:showBubbleSize val="0"/>
+              <c:extLst>
+                <c:ext xmlns:c15="http://schemas.microsoft.com/office/drawing/2012/chart" uri="{CE6537A1-D6FC-4f65-9D91-7224C49458BB}">
+                  <c15:dlblFieldTable/>
+                  <c15:showDataLabelsRange val="0"/>
+                </c:ext>
+                <c:ext xmlns:c16="http://schemas.microsoft.com/office/drawing/2014/chart" uri="{C3380CC4-5D6E-409C-BE32-E72D297353CC}">
+                  <c16:uniqueId val="{00000007-1B33-5944-93E6-FAE2DF40E450}"/>
+                </c:ext>
+              </c:extLst>
+            </c:dLbl>
+            <c:dLbl>
+              <c:idx val="2"/>
+              <c:tx>
+                <c:rich>
+                  <a:bodyPr/>
+                  <a:lstStyle/>
+                  <a:p>
+                    <a:fld id="{CB453A95-C41C-3E41-BFD1-2C6C7F843D8A}" type="VALUE">
+                      <a:rPr lang="en-US">
+                        <a:solidFill>
+                          <a:schemeClr val="bg1"/>
+                        </a:solidFill>
+                      </a:rPr>
+                      <a:pPr/>
+                      <a:t>[VALUE]</a:t>
+                    </a:fld>
+                    <a:endParaRPr lang="en-US"/>
+                  </a:p>
+                </c:rich>
+              </c:tx>
+              <c:dLblPos val="inEnd"/>
+              <c:showLegendKey val="0"/>
+              <c:showVal val="1"/>
+              <c:showCatName val="0"/>
+              <c:showSerName val="0"/>
+              <c:showPercent val="0"/>
+              <c:showBubbleSize val="0"/>
+              <c:extLst>
+                <c:ext xmlns:c15="http://schemas.microsoft.com/office/drawing/2012/chart" uri="{CE6537A1-D6FC-4f65-9D91-7224C49458BB}">
+                  <c15:dlblFieldTable/>
+                  <c15:showDataLabelsRange val="0"/>
+                </c:ext>
+                <c:ext xmlns:c16="http://schemas.microsoft.com/office/drawing/2014/chart" uri="{C3380CC4-5D6E-409C-BE32-E72D297353CC}">
+                  <c16:uniqueId val="{00000005-1B33-5944-93E6-FAE2DF40E450}"/>
+                </c:ext>
+              </c:extLst>
+            </c:dLbl>
+            <c:spPr>
+              <a:noFill/>
+              <a:ln>
+                <a:noFill/>
+              </a:ln>
+              <a:effectLst/>
+            </c:spPr>
+            <c:txPr>
+              <a:bodyPr wrap="square" lIns="38100" tIns="19050" rIns="38100" bIns="19050" anchor="ctr">
+                <a:spAutoFit/>
+              </a:bodyPr>
+              <a:lstStyle/>
+              <a:p>
+                <a:pPr>
+                  <a:defRPr b="1">
+                    <a:solidFill>
+                      <a:schemeClr val="bg1"/>
+                    </a:solidFill>
+                  </a:defRPr>
+                </a:pPr>
+                <a:endParaRPr lang="en-US"/>
+              </a:p>
+            </c:txPr>
+            <c:dLblPos val="inEnd"/>
+            <c:showLegendKey val="0"/>
+            <c:showVal val="1"/>
+            <c:showCatName val="0"/>
+            <c:showSerName val="0"/>
+            <c:showPercent val="0"/>
+            <c:showBubbleSize val="0"/>
+            <c:showLeaderLines val="0"/>
+            <c:extLst>
+              <c:ext xmlns:c15="http://schemas.microsoft.com/office/drawing/2012/chart" uri="{CE6537A1-D6FC-4f65-9D91-7224C49458BB}">
+                <c15:showLeaderLines val="1"/>
+              </c:ext>
+            </c:extLst>
+          </c:dLbls>
+          <c:cat>
+            <c:strRef>
+              <c:f>Sheet1!$A$2:$A$6</c:f>
+              <c:strCache>
+                <c:ptCount val="5"/>
+                <c:pt idx="0">
+                  <c:v>Weather for Invasion</c:v>
+                </c:pt>
+                <c:pt idx="1">
+                  <c:v>Weather for Liberation</c:v>
+                </c:pt>
+                <c:pt idx="2">
+                  <c:v>Day of Invasion</c:v>
+                </c:pt>
+                <c:pt idx="3">
+                  <c:v>Day of Liberation</c:v>
+                </c:pt>
+                <c:pt idx="4">
+                  <c:v>Time of Capitulation</c:v>
+                </c:pt>
+              </c:strCache>
+            </c:strRef>
+          </c:cat>
+          <c:val>
+            <c:numRef>
+              <c:f>Sheet1!$C$2:$C$6</c:f>
+              <c:numCache>
+                <c:formatCode>0%</c:formatCode>
+                <c:ptCount val="5"/>
+                <c:pt idx="0">
+                  <c:v>0.76500000000000001</c:v>
+                </c:pt>
+                <c:pt idx="1">
+                  <c:v>0.78</c:v>
+                </c:pt>
+                <c:pt idx="2">
+                  <c:v>0.36</c:v>
+                </c:pt>
+                <c:pt idx="3">
+                  <c:v>0.28999999999999998</c:v>
+                </c:pt>
+                <c:pt idx="4">
+                  <c:v>0.48</c:v>
+                </c:pt>
+              </c:numCache>
+            </c:numRef>
+          </c:val>
+          <c:extLst>
+            <c:ext xmlns:c16="http://schemas.microsoft.com/office/drawing/2014/chart" uri="{C3380CC4-5D6E-409C-BE32-E72D297353CC}">
+              <c16:uniqueId val="{00000004-1B33-5944-93E6-FAE2DF40E450}"/>
+            </c:ext>
+          </c:extLst>
+        </c:ser>
+        <c:dLbls>
+          <c:showLegendKey val="0"/>
+          <c:showVal val="0"/>
+          <c:showCatName val="0"/>
+          <c:showSerName val="0"/>
+          <c:showPercent val="0"/>
+          <c:showBubbleSize val="0"/>
+        </c:dLbls>
+        <c:gapWidth val="80"/>
+        <c:axId val="790563136"/>
+        <c:axId val="768197296"/>
+      </c:barChart>
+      <c:catAx>
+        <c:axId val="790563136"/>
+        <c:scaling>
+          <c:orientation val="minMax"/>
+        </c:scaling>
+        <c:delete val="0"/>
+        <c:axPos val="l"/>
+        <c:numFmt formatCode="General" sourceLinked="0"/>
+        <c:majorTickMark val="out"/>
+        <c:minorTickMark val="none"/>
+        <c:tickLblPos val="nextTo"/>
+        <c:spPr>
+          <a:ln>
+            <a:solidFill>
+              <a:prstClr val="black">
+                <a:lumMod val="65000"/>
+                <a:lumOff val="35000"/>
+                <a:alpha val="50000"/>
+              </a:prstClr>
+            </a:solidFill>
+          </a:ln>
+        </c:spPr>
+        <c:txPr>
+          <a:bodyPr/>
+          <a:lstStyle/>
+          <a:p>
+            <a:pPr>
+              <a:defRPr baseline="0">
+                <a:solidFill>
+                  <a:schemeClr val="bg1"/>
+                </a:solidFill>
+              </a:defRPr>
+            </a:pPr>
+            <a:endParaRPr lang="en-US"/>
+          </a:p>
+        </c:txPr>
+        <c:crossAx val="768197296"/>
+        <c:crosses val="autoZero"/>
+        <c:auto val="1"/>
+        <c:lblAlgn val="ctr"/>
+        <c:lblOffset val="100"/>
+        <c:noMultiLvlLbl val="0"/>
+      </c:catAx>
+      <c:valAx>
+        <c:axId val="768197296"/>
+        <c:scaling>
+          <c:orientation val="minMax"/>
+        </c:scaling>
+        <c:delete val="1"/>
+        <c:axPos val="b"/>
+        <c:majorGridlines>
+          <c:spPr>
+            <a:ln>
+              <a:solidFill>
+                <a:prstClr val="black">
+                  <a:lumMod val="65000"/>
+                  <a:lumOff val="35000"/>
+                  <a:alpha val="40000"/>
+                </a:prstClr>
+              </a:solidFill>
+            </a:ln>
+          </c:spPr>
+        </c:majorGridlines>
+        <c:numFmt formatCode="0%" sourceLinked="1"/>
+        <c:majorTickMark val="out"/>
+        <c:minorTickMark val="none"/>
+        <c:tickLblPos val="none"/>
+        <c:crossAx val="790563136"/>
+        <c:crosses val="autoZero"/>
+        <c:crossBetween val="between"/>
+      </c:valAx>
+    </c:plotArea>
+    <c:legend>
+      <c:legendPos val="r"/>
+      <c:layout>
+        <c:manualLayout>
+          <c:xMode val="edge"/>
+          <c:yMode val="edge"/>
+          <c:x val="0.87500341869031073"/>
+          <c:y val="0.24235869283945141"/>
+          <c:w val="0.11239153929288251"/>
+          <c:h val="0.13030608849950095"/>
+        </c:manualLayout>
+      </c:layout>
+      <c:overlay val="1"/>
+      <c:txPr>
+        <a:bodyPr/>
+        <a:lstStyle/>
+        <a:p>
+          <a:pPr>
+            <a:defRPr>
+              <a:solidFill>
+                <a:schemeClr val="bg1"/>
+              </a:solidFill>
+            </a:defRPr>
+          </a:pPr>
+          <a:endParaRPr lang="en-US"/>
+        </a:p>
+      </c:txPr>
+    </c:legend>
+    <c:plotVisOnly val="1"/>
+    <c:dispBlanksAs val="gap"/>
+    <c:showDLblsOverMax val="0"/>
+  </c:chart>
+  <c:txPr>
+    <a:bodyPr/>
+    <a:lstStyle/>
+    <a:p>
+      <a:pPr>
+        <a:defRPr sz="1800"/>
+      </a:pPr>
+      <a:endParaRPr lang="en-US"/>
+    </a:p>
+  </c:txPr>
+  <c:externalData r:id="rId2">
+    <c:autoUpdate val="0"/>
+  </c:externalData>
+</c:chartSpace>
+</file>
+
+<file path=ppt/charts/chart2.xml><?xml version="1.0" encoding="utf-8"?>
 <c:chartSpace xmlns:c="http://schemas.openxmlformats.org/drawingml/2006/chart" xmlns:a="http://schemas.openxmlformats.org/drawingml/2006/main" xmlns:r="http://schemas.openxmlformats.org/officeDocument/2006/relationships" xmlns:c16r2="http://schemas.microsoft.com/office/drawing/2015/06/chart">
   <c:date1904 val="0"/>
   <c:lang val="en-US"/>
@@ -768,7 +1283,7 @@
 </c:chartSpace>
 </file>
 
-<file path=ppt/charts/chart2.xml><?xml version="1.0" encoding="utf-8"?>
+<file path=ppt/charts/chart3.xml><?xml version="1.0" encoding="utf-8"?>
 <c:chartSpace xmlns:c="http://schemas.openxmlformats.org/drawingml/2006/chart" xmlns:a="http://schemas.openxmlformats.org/drawingml/2006/main" xmlns:r="http://schemas.openxmlformats.org/officeDocument/2006/relationships" xmlns:c16r2="http://schemas.microsoft.com/office/drawing/2015/06/chart">
   <c:date1904 val="0"/>
   <c:lang val="en-US"/>
@@ -1940,7 +2455,7 @@
           <a:p>
             <a:fld id="{E31E1A05-B3B6-6F43-8051-B5A825C5C2A3}" type="slidenum">
               <a:rPr lang="en-US" smtClean="0"/>
-              <a:t>7</a:t>
+              <a:t>8</a:t>
             </a:fld>
             <a:endParaRPr lang="en-US"/>
           </a:p>
@@ -2037,7 +2552,7 @@
           <a:p>
             <a:fld id="{E31E1A05-B3B6-6F43-8051-B5A825C5C2A3}" type="slidenum">
               <a:rPr lang="en-US" smtClean="0"/>
-              <a:t>8</a:t>
+              <a:t>9</a:t>
             </a:fld>
             <a:endParaRPr lang="en-US"/>
           </a:p>
@@ -7964,6 +8479,138 @@
 </file>
 
 <file path=ppt/slides/slide5.xml><?xml version="1.0" encoding="utf-8"?>
+<p:sld xmlns:a="http://schemas.openxmlformats.org/drawingml/2006/main" xmlns:r="http://schemas.openxmlformats.org/officeDocument/2006/relationships" xmlns:p="http://schemas.openxmlformats.org/presentationml/2006/main">
+  <p:cSld>
+    <p:spTree>
+      <p:nvGrpSpPr>
+        <p:cNvPr id="1" name=""/>
+        <p:cNvGrpSpPr/>
+        <p:nvPr/>
+      </p:nvGrpSpPr>
+      <p:grpSpPr>
+        <a:xfrm>
+          <a:off x="0" y="0"/>
+          <a:ext cx="0" cy="0"/>
+          <a:chOff x="0" y="0"/>
+          <a:chExt cx="0" cy="0"/>
+        </a:xfrm>
+      </p:grpSpPr>
+      <p:graphicFrame>
+        <p:nvGraphicFramePr>
+          <p:cNvPr id="4" name="Content Placeholder 3"/>
+          <p:cNvGraphicFramePr>
+            <a:graphicFrameLocks noGrp="1"/>
+          </p:cNvGraphicFramePr>
+          <p:nvPr>
+            <p:ph idx="1"/>
+            <p:extLst>
+              <p:ext uri="{D42A27DB-BD31-4B8C-83A1-F6EECF244321}">
+                <p14:modId xmlns:p14="http://schemas.microsoft.com/office/powerpoint/2010/main" val="781131730"/>
+              </p:ext>
+            </p:extLst>
+          </p:nvPr>
+        </p:nvGraphicFramePr>
+        <p:xfrm>
+          <a:off x="76200" y="1447800"/>
+          <a:ext cx="9067800" cy="5410200"/>
+        </p:xfrm>
+        <a:graphic>
+          <a:graphicData uri="http://schemas.openxmlformats.org/drawingml/2006/chart">
+            <c:chart xmlns:c="http://schemas.openxmlformats.org/drawingml/2006/chart" xmlns:r="http://schemas.openxmlformats.org/officeDocument/2006/relationships" r:id="rId2"/>
+          </a:graphicData>
+        </a:graphic>
+      </p:graphicFrame>
+      <p:sp>
+        <p:nvSpPr>
+          <p:cNvPr id="5" name="TextBox 4">
+            <a:extLst>
+              <a:ext uri="{FF2B5EF4-FFF2-40B4-BE49-F238E27FC236}">
+                <a16:creationId xmlns:a16="http://schemas.microsoft.com/office/drawing/2014/main" id="{50E4D611-8DD9-FD46-9701-D0224F4AA43D}"/>
+              </a:ext>
+            </a:extLst>
+          </p:cNvPr>
+          <p:cNvSpPr txBox="1"/>
+          <p:nvPr/>
+        </p:nvSpPr>
+        <p:spPr>
+          <a:xfrm>
+            <a:off x="228600" y="152400"/>
+            <a:ext cx="8610600" cy="707886"/>
+          </a:xfrm>
+          <a:prstGeom prst="rect">
+            <a:avLst/>
+          </a:prstGeom>
+          <a:noFill/>
+        </p:spPr>
+        <p:txBody>
+          <a:bodyPr wrap="square" rtlCol="0">
+            <a:spAutoFit/>
+          </a:bodyPr>
+          <a:lstStyle/>
+          <a:p>
+            <a:r>
+              <a:rPr lang="en-US" sz="4000" b="1" dirty="0"/>
+              <a:t>Likelihood to Remember after 50 years</a:t>
+            </a:r>
+          </a:p>
+        </p:txBody>
+      </p:sp>
+      <p:sp>
+        <p:nvSpPr>
+          <p:cNvPr id="8" name="TextBox 7">
+            <a:extLst>
+              <a:ext uri="{FF2B5EF4-FFF2-40B4-BE49-F238E27FC236}">
+                <a16:creationId xmlns:a16="http://schemas.microsoft.com/office/drawing/2014/main" id="{A39BBF26-1BA0-B842-A43F-C28D2D20D8B2}"/>
+              </a:ext>
+            </a:extLst>
+          </p:cNvPr>
+          <p:cNvSpPr txBox="1"/>
+          <p:nvPr/>
+        </p:nvSpPr>
+        <p:spPr>
+          <a:xfrm>
+            <a:off x="228600" y="762000"/>
+            <a:ext cx="8610600" cy="461665"/>
+          </a:xfrm>
+          <a:prstGeom prst="rect">
+            <a:avLst/>
+          </a:prstGeom>
+          <a:noFill/>
+        </p:spPr>
+        <p:txBody>
+          <a:bodyPr wrap="square" rtlCol="0">
+            <a:spAutoFit/>
+          </a:bodyPr>
+          <a:lstStyle/>
+          <a:p>
+            <a:r>
+              <a:rPr lang="en-US" sz="2400" b="1" dirty="0">
+                <a:solidFill>
+                  <a:schemeClr val="bg1">
+                    <a:lumMod val="50000"/>
+                    <a:lumOff val="50000"/>
+                  </a:schemeClr>
+                </a:solidFill>
+              </a:rPr>
+              <a:t>Comparing people who were in the events vs. those taught</a:t>
+            </a:r>
+          </a:p>
+        </p:txBody>
+      </p:sp>
+    </p:spTree>
+    <p:extLst>
+      <p:ext uri="{BB962C8B-B14F-4D97-AF65-F5344CB8AC3E}">
+        <p14:creationId xmlns:p14="http://schemas.microsoft.com/office/powerpoint/2010/main" val="4082282396"/>
+      </p:ext>
+    </p:extLst>
+  </p:cSld>
+  <p:clrMapOvr>
+    <a:masterClrMapping/>
+  </p:clrMapOvr>
+</p:sld>
+</file>
+
+<file path=ppt/slides/slide6.xml><?xml version="1.0" encoding="utf-8"?>
 <p:sld xmlns:a="http://schemas.openxmlformats.org/drawingml/2006/main" xmlns:r="http://schemas.openxmlformats.org/officeDocument/2006/relationships" xmlns:p="http://schemas.openxmlformats.org/presentationml/2006/main" show="0">
   <p:cSld>
     <p:spTree>
@@ -8652,7 +9299,7 @@
 </p:sld>
 </file>
 
-<file path=ppt/slides/slide6.xml><?xml version="1.0" encoding="utf-8"?>
+<file path=ppt/slides/slide7.xml><?xml version="1.0" encoding="utf-8"?>
 <p:sld xmlns:a="http://schemas.openxmlformats.org/drawingml/2006/main" xmlns:r="http://schemas.openxmlformats.org/officeDocument/2006/relationships" xmlns:p="http://schemas.openxmlformats.org/presentationml/2006/main">
   <p:cSld>
     <p:spTree>
@@ -8682,7 +9329,7 @@
 </p:sld>
 </file>
 
-<file path=ppt/slides/slide7.xml><?xml version="1.0" encoding="utf-8"?>
+<file path=ppt/slides/slide8.xml><?xml version="1.0" encoding="utf-8"?>
 <p:sld xmlns:a="http://schemas.openxmlformats.org/drawingml/2006/main" xmlns:r="http://schemas.openxmlformats.org/officeDocument/2006/relationships" xmlns:p="http://schemas.openxmlformats.org/presentationml/2006/main">
   <p:cSld>
     <p:spTree>
@@ -8980,7 +9627,7 @@
 </p:sld>
 </file>
 
-<file path=ppt/slides/slide8.xml><?xml version="1.0" encoding="utf-8"?>
+<file path=ppt/slides/slide9.xml><?xml version="1.0" encoding="utf-8"?>
 <p:sld xmlns:a="http://schemas.openxmlformats.org/drawingml/2006/main" xmlns:r="http://schemas.openxmlformats.org/officeDocument/2006/relationships" xmlns:p="http://schemas.openxmlformats.org/presentationml/2006/main">
   <p:cSld>
     <p:spTree>
@@ -11317,4 +11964,283 @@
     </a:bgFillStyleLst>
   </a:fmtScheme>
 </a:themeOverride>
+</file>
+
+<file path=ppt/theme/themeOverride3.xml><?xml version="1.0" encoding="utf-8"?>
+<a:themeOverride xmlns:a="http://schemas.openxmlformats.org/drawingml/2006/main">
+  <a:clrScheme name="Office">
+    <a:dk1>
+      <a:sysClr val="windowText" lastClr="000000"/>
+    </a:dk1>
+    <a:lt1>
+      <a:sysClr val="window" lastClr="FFFFFF"/>
+    </a:lt1>
+    <a:dk2>
+      <a:srgbClr val="1F497D"/>
+    </a:dk2>
+    <a:lt2>
+      <a:srgbClr val="EEECE1"/>
+    </a:lt2>
+    <a:accent1>
+      <a:srgbClr val="4F81BD"/>
+    </a:accent1>
+    <a:accent2>
+      <a:srgbClr val="C0504D"/>
+    </a:accent2>
+    <a:accent3>
+      <a:srgbClr val="9BBB59"/>
+    </a:accent3>
+    <a:accent4>
+      <a:srgbClr val="8064A2"/>
+    </a:accent4>
+    <a:accent5>
+      <a:srgbClr val="4BACC6"/>
+    </a:accent5>
+    <a:accent6>
+      <a:srgbClr val="F79646"/>
+    </a:accent6>
+    <a:hlink>
+      <a:srgbClr val="0000FF"/>
+    </a:hlink>
+    <a:folHlink>
+      <a:srgbClr val="800080"/>
+    </a:folHlink>
+  </a:clrScheme>
+  <a:fontScheme name="Office">
+    <a:majorFont>
+      <a:latin typeface="Calibri"/>
+      <a:ea typeface=""/>
+      <a:cs typeface=""/>
+      <a:font script="Jpan" typeface="ＭＳ Ｐゴシック"/>
+      <a:font script="Hang" typeface="맑은 고딕"/>
+      <a:font script="Hans" typeface="宋体"/>
+      <a:font script="Hant" typeface="新細明體"/>
+      <a:font script="Arab" typeface="Times New Roman"/>
+      <a:font script="Hebr" typeface="Times New Roman"/>
+      <a:font script="Thai" typeface="Angsana New"/>
+      <a:font script="Ethi" typeface="Nyala"/>
+      <a:font script="Beng" typeface="Vrinda"/>
+      <a:font script="Gujr" typeface="Shruti"/>
+      <a:font script="Khmr" typeface="MoolBoran"/>
+      <a:font script="Knda" typeface="Tunga"/>
+      <a:font script="Guru" typeface="Raavi"/>
+      <a:font script="Cans" typeface="Euphemia"/>
+      <a:font script="Cher" typeface="Plantagenet Cherokee"/>
+      <a:font script="Yiii" typeface="Microsoft Yi Baiti"/>
+      <a:font script="Tibt" typeface="Microsoft Himalaya"/>
+      <a:font script="Thaa" typeface="MV Boli"/>
+      <a:font script="Deva" typeface="Mangal"/>
+      <a:font script="Telu" typeface="Gautami"/>
+      <a:font script="Taml" typeface="Latha"/>
+      <a:font script="Syrc" typeface="Estrangelo Edessa"/>
+      <a:font script="Orya" typeface="Kalinga"/>
+      <a:font script="Mlym" typeface="Kartika"/>
+      <a:font script="Laoo" typeface="DokChampa"/>
+      <a:font script="Sinh" typeface="Iskoola Pota"/>
+      <a:font script="Mong" typeface="Mongolian Baiti"/>
+      <a:font script="Viet" typeface="Times New Roman"/>
+      <a:font script="Uigh" typeface="Microsoft Uighur"/>
+    </a:majorFont>
+    <a:minorFont>
+      <a:latin typeface="Calibri"/>
+      <a:ea typeface=""/>
+      <a:cs typeface=""/>
+      <a:font script="Jpan" typeface="ＭＳ Ｐゴシック"/>
+      <a:font script="Hang" typeface="맑은 고딕"/>
+      <a:font script="Hans" typeface="宋体"/>
+      <a:font script="Hant" typeface="新細明體"/>
+      <a:font script="Arab" typeface="Arial"/>
+      <a:font script="Hebr" typeface="Arial"/>
+      <a:font script="Thai" typeface="Cordia New"/>
+      <a:font script="Ethi" typeface="Nyala"/>
+      <a:font script="Beng" typeface="Vrinda"/>
+      <a:font script="Gujr" typeface="Shruti"/>
+      <a:font script="Khmr" typeface="DaunPenh"/>
+      <a:font script="Knda" typeface="Tunga"/>
+      <a:font script="Guru" typeface="Raavi"/>
+      <a:font script="Cans" typeface="Euphemia"/>
+      <a:font script="Cher" typeface="Plantagenet Cherokee"/>
+      <a:font script="Yiii" typeface="Microsoft Yi Baiti"/>
+      <a:font script="Tibt" typeface="Microsoft Himalaya"/>
+      <a:font script="Thaa" typeface="MV Boli"/>
+      <a:font script="Deva" typeface="Mangal"/>
+      <a:font script="Telu" typeface="Gautami"/>
+      <a:font script="Taml" typeface="Latha"/>
+      <a:font script="Syrc" typeface="Estrangelo Edessa"/>
+      <a:font script="Orya" typeface="Kalinga"/>
+      <a:font script="Mlym" typeface="Kartika"/>
+      <a:font script="Laoo" typeface="DokChampa"/>
+      <a:font script="Sinh" typeface="Iskoola Pota"/>
+      <a:font script="Mong" typeface="Mongolian Baiti"/>
+      <a:font script="Viet" typeface="Arial"/>
+      <a:font script="Uigh" typeface="Microsoft Uighur"/>
+    </a:minorFont>
+  </a:fontScheme>
+  <a:fmtScheme name="Office">
+    <a:fillStyleLst>
+      <a:solidFill>
+        <a:schemeClr val="phClr"/>
+      </a:solidFill>
+      <a:gradFill rotWithShape="1">
+        <a:gsLst>
+          <a:gs pos="0">
+            <a:schemeClr val="phClr">
+              <a:tint val="50000"/>
+              <a:satMod val="300000"/>
+            </a:schemeClr>
+          </a:gs>
+          <a:gs pos="35000">
+            <a:schemeClr val="phClr">
+              <a:tint val="37000"/>
+              <a:satMod val="300000"/>
+            </a:schemeClr>
+          </a:gs>
+          <a:gs pos="100000">
+            <a:schemeClr val="phClr">
+              <a:tint val="15000"/>
+              <a:satMod val="350000"/>
+            </a:schemeClr>
+          </a:gs>
+        </a:gsLst>
+        <a:lin ang="16200000" scaled="1"/>
+      </a:gradFill>
+      <a:gradFill rotWithShape="1">
+        <a:gsLst>
+          <a:gs pos="0">
+            <a:schemeClr val="phClr">
+              <a:shade val="51000"/>
+              <a:satMod val="130000"/>
+            </a:schemeClr>
+          </a:gs>
+          <a:gs pos="80000">
+            <a:schemeClr val="phClr">
+              <a:shade val="93000"/>
+              <a:satMod val="130000"/>
+            </a:schemeClr>
+          </a:gs>
+          <a:gs pos="100000">
+            <a:schemeClr val="phClr">
+              <a:shade val="94000"/>
+              <a:satMod val="135000"/>
+            </a:schemeClr>
+          </a:gs>
+        </a:gsLst>
+        <a:lin ang="16200000" scaled="0"/>
+      </a:gradFill>
+    </a:fillStyleLst>
+    <a:lnStyleLst>
+      <a:ln w="9525" cap="flat" cmpd="sng" algn="ctr">
+        <a:solidFill>
+          <a:schemeClr val="phClr">
+            <a:shade val="95000"/>
+            <a:satMod val="105000"/>
+          </a:schemeClr>
+        </a:solidFill>
+        <a:prstDash val="solid"/>
+      </a:ln>
+      <a:ln w="25400" cap="flat" cmpd="sng" algn="ctr">
+        <a:solidFill>
+          <a:schemeClr val="phClr"/>
+        </a:solidFill>
+        <a:prstDash val="solid"/>
+      </a:ln>
+      <a:ln w="38100" cap="flat" cmpd="sng" algn="ctr">
+        <a:solidFill>
+          <a:schemeClr val="phClr"/>
+        </a:solidFill>
+        <a:prstDash val="solid"/>
+      </a:ln>
+    </a:lnStyleLst>
+    <a:effectStyleLst>
+      <a:effectStyle>
+        <a:effectLst>
+          <a:outerShdw blurRad="40000" dist="20000" dir="5400000" rotWithShape="0">
+            <a:srgbClr val="000000">
+              <a:alpha val="38000"/>
+            </a:srgbClr>
+          </a:outerShdw>
+        </a:effectLst>
+      </a:effectStyle>
+      <a:effectStyle>
+        <a:effectLst>
+          <a:outerShdw blurRad="40000" dist="23000" dir="5400000" rotWithShape="0">
+            <a:srgbClr val="000000">
+              <a:alpha val="35000"/>
+            </a:srgbClr>
+          </a:outerShdw>
+        </a:effectLst>
+      </a:effectStyle>
+      <a:effectStyle>
+        <a:effectLst>
+          <a:outerShdw blurRad="40000" dist="23000" dir="5400000" rotWithShape="0">
+            <a:srgbClr val="000000">
+              <a:alpha val="35000"/>
+            </a:srgbClr>
+          </a:outerShdw>
+        </a:effectLst>
+        <a:scene3d>
+          <a:camera prst="orthographicFront">
+            <a:rot lat="0" lon="0" rev="0"/>
+          </a:camera>
+          <a:lightRig rig="threePt" dir="t">
+            <a:rot lat="0" lon="0" rev="1200000"/>
+          </a:lightRig>
+        </a:scene3d>
+        <a:sp3d>
+          <a:bevelT w="63500" h="25400"/>
+        </a:sp3d>
+      </a:effectStyle>
+    </a:effectStyleLst>
+    <a:bgFillStyleLst>
+      <a:solidFill>
+        <a:schemeClr val="phClr"/>
+      </a:solidFill>
+      <a:gradFill rotWithShape="1">
+        <a:gsLst>
+          <a:gs pos="0">
+            <a:schemeClr val="phClr">
+              <a:tint val="40000"/>
+              <a:satMod val="350000"/>
+            </a:schemeClr>
+          </a:gs>
+          <a:gs pos="40000">
+            <a:schemeClr val="phClr">
+              <a:tint val="45000"/>
+              <a:shade val="99000"/>
+              <a:satMod val="350000"/>
+            </a:schemeClr>
+          </a:gs>
+          <a:gs pos="100000">
+            <a:schemeClr val="phClr">
+              <a:shade val="20000"/>
+              <a:satMod val="255000"/>
+            </a:schemeClr>
+          </a:gs>
+        </a:gsLst>
+        <a:path path="circle">
+          <a:fillToRect l="50000" t="-80000" r="50000" b="180000"/>
+        </a:path>
+      </a:gradFill>
+      <a:gradFill rotWithShape="1">
+        <a:gsLst>
+          <a:gs pos="0">
+            <a:schemeClr val="phClr">
+              <a:tint val="80000"/>
+              <a:satMod val="300000"/>
+            </a:schemeClr>
+          </a:gs>
+          <a:gs pos="100000">
+            <a:schemeClr val="phClr">
+              <a:shade val="30000"/>
+              <a:satMod val="200000"/>
+            </a:schemeClr>
+          </a:gs>
+        </a:gsLst>
+        <a:path path="circle">
+          <a:fillToRect l="50000" t="50000" r="50000" b="50000"/>
+        </a:path>
+      </a:gradFill>
+    </a:bgFillStyleLst>
+  </a:fmtScheme>
+</a:themeOverride>
 </file>